--- a/Скуратівський Олексій/Скуратівський Олексій Андрійович_ТХ_22_1_Тема_кипятильник_безперервної дії.pptx
+++ b/Скуратівський Олексій/Скуратівський Олексій Андрійович_ТХ_22_1_Тема_кипятильник_безперервної дії.pptx
@@ -9,14 +9,15 @@
     <p:sldId id="257" r:id="rId3"/>
     <p:sldId id="258" r:id="rId4"/>
     <p:sldId id="259" r:id="rId5"/>
-    <p:sldId id="260" r:id="rId6"/>
-    <p:sldId id="261" r:id="rId7"/>
-    <p:sldId id="262" r:id="rId8"/>
-    <p:sldId id="263" r:id="rId9"/>
-    <p:sldId id="264" r:id="rId10"/>
-    <p:sldId id="265" r:id="rId11"/>
-    <p:sldId id="266" r:id="rId12"/>
-    <p:sldId id="267" r:id="rId13"/>
+    <p:sldId id="268" r:id="rId6"/>
+    <p:sldId id="260" r:id="rId7"/>
+    <p:sldId id="261" r:id="rId8"/>
+    <p:sldId id="262" r:id="rId9"/>
+    <p:sldId id="263" r:id="rId10"/>
+    <p:sldId id="264" r:id="rId11"/>
+    <p:sldId id="265" r:id="rId12"/>
+    <p:sldId id="266" r:id="rId13"/>
+    <p:sldId id="267" r:id="rId14"/>
   </p:sldIdLst>
   <p:sldSz cx="12192000" cy="6858000"/>
   <p:notesSz cx="6858000" cy="9144000"/>
@@ -115,6 +116,11 @@
       </a:defRPr>
     </a:lvl9pPr>
   </p:defaultTextStyle>
+  <p:extLst>
+    <p:ext uri="{EFAFB233-063F-42B5-8137-9DF3F51BA10A}">
+      <p15:sldGuideLst xmlns:p15="http://schemas.microsoft.com/office/powerpoint/2012/main"/>
+    </p:ext>
+  </p:extLst>
 </p:presentation>
 </file>
 
@@ -4351,6 +4357,14 @@
               </a:rPr>
               <a:t>людини</a:t>
             </a:r>
+            <a:r>
+              <a:rPr lang="ru-RU" sz="2000" dirty="0">
+                <a:solidFill>
+                  <a:schemeClr val="tx1"/>
+                </a:solidFill>
+              </a:rPr>
+              <a:t/>
+            </a:r>
             <a:br>
               <a:rPr lang="ru-RU" sz="2000" dirty="0">
                 <a:solidFill>
@@ -4382,6 +4396,14 @@
               </a:rPr>
               <a:t>»</a:t>
             </a:r>
+            <a:r>
+              <a:rPr lang="ru-RU" sz="2000" dirty="0">
+                <a:solidFill>
+                  <a:schemeClr val="tx1"/>
+                </a:solidFill>
+              </a:rPr>
+              <a:t/>
+            </a:r>
             <a:br>
               <a:rPr lang="ru-RU" sz="2000" dirty="0">
                 <a:solidFill>
@@ -4413,6 +4435,14 @@
               </a:rPr>
               <a:t>інститут</a:t>
             </a:r>
+            <a:r>
+              <a:rPr lang="ru-RU" sz="2000" dirty="0">
+                <a:solidFill>
+                  <a:schemeClr val="tx1"/>
+                </a:solidFill>
+              </a:rPr>
+              <a:t/>
+            </a:r>
             <a:br>
               <a:rPr lang="ru-RU" sz="2000" dirty="0">
                 <a:solidFill>
@@ -4468,6 +4498,14 @@
               </a:rPr>
               <a:t>проєкт</a:t>
             </a:r>
+            <a:r>
+              <a:rPr lang="ru-RU" sz="2000" b="1" dirty="0">
+                <a:solidFill>
+                  <a:schemeClr val="tx1"/>
+                </a:solidFill>
+              </a:rPr>
+              <a:t/>
+            </a:r>
             <a:br>
               <a:rPr lang="ru-RU" sz="2000" b="1" dirty="0">
                 <a:solidFill>
@@ -4475,6 +4513,14 @@
                 </a:solidFill>
               </a:rPr>
             </a:br>
+            <a:r>
+              <a:rPr lang="ru-RU" sz="2000" b="1" dirty="0">
+                <a:solidFill>
+                  <a:schemeClr val="tx1"/>
+                </a:solidFill>
+              </a:rPr>
+              <a:t/>
+            </a:r>
             <a:br>
               <a:rPr lang="ru-RU" sz="2000" b="1" dirty="0">
                 <a:solidFill>
@@ -4584,6 +4630,14 @@
                 <a:cs typeface="Times New Roman" panose="02020603050405020304" pitchFamily="18" charset="0"/>
               </a:rPr>
               <a:t> .</a:t>
+            </a:r>
+            <a:r>
+              <a:rPr lang="ru-RU" sz="2000" dirty="0">
+                <a:solidFill>
+                  <a:schemeClr val="tx1"/>
+                </a:solidFill>
+              </a:rPr>
+              <a:t/>
             </a:r>
             <a:br>
               <a:rPr lang="ru-RU" sz="2000" dirty="0">
@@ -4691,6 +4745,14 @@
               </a:rPr>
               <a:t>освіти</a:t>
             </a:r>
+            <a:r>
+              <a:rPr lang="ru-RU" sz="1800" dirty="0">
+                <a:solidFill>
+                  <a:schemeClr val="tx1"/>
+                </a:solidFill>
+              </a:rPr>
+              <a:t/>
+            </a:r>
             <a:br>
               <a:rPr lang="ru-RU" sz="1800" dirty="0">
                 <a:solidFill>
@@ -4730,6 +4792,14 @@
               </a:rPr>
               <a:t>ТХ-22-1</a:t>
             </a:r>
+            <a:r>
+              <a:rPr lang="ru-RU" sz="1800" dirty="0">
+                <a:solidFill>
+                  <a:schemeClr val="tx1"/>
+                </a:solidFill>
+              </a:rPr>
+              <a:t/>
+            </a:r>
             <a:br>
               <a:rPr lang="ru-RU" sz="1800" dirty="0">
                 <a:solidFill>
@@ -4831,6 +4901,14 @@
                 </a:solidFill>
               </a:rPr>
               <a:t>технології</a:t>
+            </a:r>
+            <a:r>
+              <a:rPr lang="ru-RU" sz="1800" dirty="0">
+                <a:solidFill>
+                  <a:schemeClr val="tx1"/>
+                </a:solidFill>
+              </a:rPr>
+              <a:t/>
             </a:r>
             <a:br>
               <a:rPr lang="ru-RU" sz="1800" dirty="0">
@@ -4856,6 +4934,14 @@
               </a:rPr>
               <a:t>Скуратівський Олексій Андрійович</a:t>
             </a:r>
+            <a:r>
+              <a:rPr lang="ru-RU" sz="1800" dirty="0">
+                <a:solidFill>
+                  <a:schemeClr val="tx1"/>
+                </a:solidFill>
+              </a:rPr>
+              <a:t/>
+            </a:r>
             <a:br>
               <a:rPr lang="ru-RU" sz="1800" dirty="0">
                 <a:solidFill>
@@ -4894,6 +4980,14 @@
               </a:rPr>
               <a:t>керівника</a:t>
             </a:r>
+            <a:r>
+              <a:rPr lang="ru-RU" sz="1800" dirty="0">
+                <a:solidFill>
+                  <a:schemeClr val="tx1"/>
+                </a:solidFill>
+              </a:rPr>
+              <a:t/>
+            </a:r>
             <a:br>
               <a:rPr lang="ru-RU" sz="1800" dirty="0">
                 <a:solidFill>
@@ -4940,6 +5034,14 @@
                 </a:solidFill>
               </a:rPr>
               <a:t> технічних наук, доцент.</a:t>
+            </a:r>
+            <a:r>
+              <a:rPr lang="ru-RU" sz="1800" dirty="0">
+                <a:solidFill>
+                  <a:schemeClr val="tx1"/>
+                </a:solidFill>
+              </a:rPr>
+              <a:t/>
             </a:r>
             <a:br>
               <a:rPr lang="ru-RU" sz="1800" dirty="0">
@@ -5012,6 +5114,634 @@
           <p:cNvPr id="2" name="Заголовок 1">
             <a:extLst>
               <a:ext uri="{FF2B5EF4-FFF2-40B4-BE49-F238E27FC236}">
+                <a16:creationId xmlns:a16="http://schemas.microsoft.com/office/drawing/2014/main" id="{51F8C442-E5B6-A28D-0909-786C0F1A0117}"/>
+              </a:ext>
+            </a:extLst>
+          </p:cNvPr>
+          <p:cNvSpPr>
+            <a:spLocks noGrp="1"/>
+          </p:cNvSpPr>
+          <p:nvPr>
+            <p:ph type="title"/>
+          </p:nvPr>
+        </p:nvSpPr>
+        <p:spPr/>
+        <p:txBody>
+          <a:bodyPr/>
+          <a:lstStyle/>
+          <a:p>
+            <a:r>
+              <a:rPr lang="uk-UA" dirty="0"/>
+              <a:t>Підбір допоміжного устаткування</a:t>
+            </a:r>
+          </a:p>
+        </p:txBody>
+      </p:sp>
+      <p:cxnSp>
+        <p:nvCxnSpPr>
+          <p:cNvPr id="4" name="Пряма сполучна лінія 3">
+            <a:extLst>
+              <a:ext uri="{FF2B5EF4-FFF2-40B4-BE49-F238E27FC236}">
+                <a16:creationId xmlns:a16="http://schemas.microsoft.com/office/drawing/2014/main" id="{51905590-D1A4-49CE-F248-30423AFD68E9}"/>
+              </a:ext>
+            </a:extLst>
+          </p:cNvPr>
+          <p:cNvCxnSpPr>
+            <a:cxnSpLocks/>
+          </p:cNvCxnSpPr>
+          <p:nvPr/>
+        </p:nvCxnSpPr>
+        <p:spPr>
+          <a:xfrm>
+            <a:off x="1165013" y="2045547"/>
+            <a:ext cx="7213600" cy="0"/>
+          </a:xfrm>
+          <a:prstGeom prst="line">
+            <a:avLst/>
+          </a:prstGeom>
+          <a:ln w="28575">
+            <a:solidFill>
+              <a:schemeClr val="tx1">
+                <a:lumMod val="95000"/>
+                <a:lumOff val="5000"/>
+              </a:schemeClr>
+            </a:solidFill>
+          </a:ln>
+        </p:spPr>
+        <p:style>
+          <a:lnRef idx="1">
+            <a:schemeClr val="accent1"/>
+          </a:lnRef>
+          <a:fillRef idx="0">
+            <a:schemeClr val="accent1"/>
+          </a:fillRef>
+          <a:effectRef idx="0">
+            <a:schemeClr val="accent1"/>
+          </a:effectRef>
+          <a:fontRef idx="minor">
+            <a:schemeClr val="tx1"/>
+          </a:fontRef>
+        </p:style>
+      </p:cxnSp>
+      <p:sp>
+        <p:nvSpPr>
+          <p:cNvPr id="8" name="Місце для тексту 2">
+            <a:extLst>
+              <a:ext uri="{FF2B5EF4-FFF2-40B4-BE49-F238E27FC236}">
+                <a16:creationId xmlns:a16="http://schemas.microsoft.com/office/drawing/2014/main" id="{52201FEA-2650-46CD-9AB5-A111F30AA7E2}"/>
+              </a:ext>
+            </a:extLst>
+          </p:cNvPr>
+          <p:cNvSpPr txBox="1">
+            <a:spLocks/>
+          </p:cNvSpPr>
+          <p:nvPr/>
+        </p:nvSpPr>
+        <p:spPr>
+          <a:xfrm>
+            <a:off x="1069848" y="2220542"/>
+            <a:ext cx="10058400" cy="4050792"/>
+          </a:xfrm>
+          <a:prstGeom prst="rect">
+            <a:avLst/>
+          </a:prstGeom>
+        </p:spPr>
+        <p:txBody>
+          <a:bodyPr vert="horz" lIns="91440" tIns="45720" rIns="91440" bIns="45720" rtlCol="0">
+            <a:normAutofit/>
+          </a:bodyPr>
+          <a:lstStyle>
+            <a:lvl1pPr marL="182880" indent="-182880" algn="l" defTabSz="914400" rtl="0" eaLnBrk="1" latinLnBrk="0" hangingPunct="1">
+              <a:lnSpc>
+                <a:spcPct val="90000"/>
+              </a:lnSpc>
+              <a:spcBef>
+                <a:spcPts val="1200"/>
+              </a:spcBef>
+              <a:buClr>
+                <a:schemeClr val="accent1">
+                  <a:lumMod val="75000"/>
+                </a:schemeClr>
+              </a:buClr>
+              <a:buSzPct val="85000"/>
+              <a:buFont typeface="Wingdings" pitchFamily="2" charset="2"/>
+              <a:buChar char="§"/>
+              <a:defRPr sz="2000" kern="1200">
+                <a:solidFill>
+                  <a:schemeClr val="tx1"/>
+                </a:solidFill>
+                <a:latin typeface="+mn-lt"/>
+                <a:ea typeface="+mn-ea"/>
+                <a:cs typeface="+mn-cs"/>
+              </a:defRPr>
+            </a:lvl1pPr>
+            <a:lvl2pPr marL="457200" indent="-182880" algn="l" defTabSz="914400" rtl="0" eaLnBrk="1" latinLnBrk="0" hangingPunct="1">
+              <a:lnSpc>
+                <a:spcPct val="90000"/>
+              </a:lnSpc>
+              <a:spcBef>
+                <a:spcPts val="400"/>
+              </a:spcBef>
+              <a:spcAft>
+                <a:spcPts val="200"/>
+              </a:spcAft>
+              <a:buClr>
+                <a:schemeClr val="accent1">
+                  <a:lumMod val="75000"/>
+                </a:schemeClr>
+              </a:buClr>
+              <a:buSzPct val="85000"/>
+              <a:buFont typeface="Wingdings" pitchFamily="2" charset="2"/>
+              <a:buChar char="§"/>
+              <a:defRPr sz="1800" kern="1200">
+                <a:solidFill>
+                  <a:schemeClr val="tx1"/>
+                </a:solidFill>
+                <a:latin typeface="+mn-lt"/>
+                <a:ea typeface="+mn-ea"/>
+                <a:cs typeface="+mn-cs"/>
+              </a:defRPr>
+            </a:lvl2pPr>
+            <a:lvl3pPr marL="731520" indent="-182880" algn="l" defTabSz="914400" rtl="0" eaLnBrk="1" latinLnBrk="0" hangingPunct="1">
+              <a:lnSpc>
+                <a:spcPct val="90000"/>
+              </a:lnSpc>
+              <a:spcBef>
+                <a:spcPts val="400"/>
+              </a:spcBef>
+              <a:spcAft>
+                <a:spcPts val="200"/>
+              </a:spcAft>
+              <a:buClr>
+                <a:schemeClr val="accent1">
+                  <a:lumMod val="75000"/>
+                </a:schemeClr>
+              </a:buClr>
+              <a:buSzPct val="85000"/>
+              <a:buFont typeface="Wingdings" pitchFamily="2" charset="2"/>
+              <a:buChar char="§"/>
+              <a:defRPr sz="1600" kern="1200">
+                <a:solidFill>
+                  <a:schemeClr val="tx1"/>
+                </a:solidFill>
+                <a:latin typeface="+mn-lt"/>
+                <a:ea typeface="+mn-ea"/>
+                <a:cs typeface="+mn-cs"/>
+              </a:defRPr>
+            </a:lvl3pPr>
+            <a:lvl4pPr marL="1005840" indent="-182880" algn="l" defTabSz="914400" rtl="0" eaLnBrk="1" latinLnBrk="0" hangingPunct="1">
+              <a:lnSpc>
+                <a:spcPct val="90000"/>
+              </a:lnSpc>
+              <a:spcBef>
+                <a:spcPts val="400"/>
+              </a:spcBef>
+              <a:spcAft>
+                <a:spcPts val="200"/>
+              </a:spcAft>
+              <a:buClr>
+                <a:schemeClr val="accent1">
+                  <a:lumMod val="75000"/>
+                </a:schemeClr>
+              </a:buClr>
+              <a:buSzPct val="85000"/>
+              <a:buFont typeface="Wingdings" pitchFamily="2" charset="2"/>
+              <a:buChar char="§"/>
+              <a:defRPr sz="1600" kern="1200">
+                <a:solidFill>
+                  <a:schemeClr val="tx1"/>
+                </a:solidFill>
+                <a:latin typeface="+mn-lt"/>
+                <a:ea typeface="+mn-ea"/>
+                <a:cs typeface="+mn-cs"/>
+              </a:defRPr>
+            </a:lvl4pPr>
+            <a:lvl5pPr marL="1280160" indent="-182880" algn="l" defTabSz="914400" rtl="0" eaLnBrk="1" latinLnBrk="0" hangingPunct="1">
+              <a:lnSpc>
+                <a:spcPct val="90000"/>
+              </a:lnSpc>
+              <a:spcBef>
+                <a:spcPts val="400"/>
+              </a:spcBef>
+              <a:spcAft>
+                <a:spcPts val="200"/>
+              </a:spcAft>
+              <a:buClr>
+                <a:schemeClr val="accent1">
+                  <a:lumMod val="75000"/>
+                </a:schemeClr>
+              </a:buClr>
+              <a:buSzPct val="85000"/>
+              <a:buFont typeface="Wingdings" pitchFamily="2" charset="2"/>
+              <a:buChar char="§"/>
+              <a:defRPr sz="1600" kern="1200">
+                <a:solidFill>
+                  <a:schemeClr val="tx1"/>
+                </a:solidFill>
+                <a:latin typeface="+mn-lt"/>
+                <a:ea typeface="+mn-ea"/>
+                <a:cs typeface="+mn-cs"/>
+              </a:defRPr>
+            </a:lvl5pPr>
+            <a:lvl6pPr marL="1600000" indent="-228600" algn="l" defTabSz="914400" rtl="0" eaLnBrk="1" latinLnBrk="0" hangingPunct="1">
+              <a:lnSpc>
+                <a:spcPct val="90000"/>
+              </a:lnSpc>
+              <a:spcBef>
+                <a:spcPts val="400"/>
+              </a:spcBef>
+              <a:spcAft>
+                <a:spcPts val="200"/>
+              </a:spcAft>
+              <a:buClr>
+                <a:schemeClr val="accent1">
+                  <a:lumMod val="75000"/>
+                </a:schemeClr>
+              </a:buClr>
+              <a:buSzPct val="85000"/>
+              <a:buFont typeface="Wingdings" pitchFamily="2" charset="2"/>
+              <a:buChar char="§"/>
+              <a:defRPr sz="1600" kern="1200">
+                <a:solidFill>
+                  <a:schemeClr val="tx1"/>
+                </a:solidFill>
+                <a:latin typeface="+mn-lt"/>
+                <a:ea typeface="+mn-ea"/>
+                <a:cs typeface="+mn-cs"/>
+              </a:defRPr>
+            </a:lvl6pPr>
+            <a:lvl7pPr marL="1900000" indent="-228600" algn="l" defTabSz="914400" rtl="0" eaLnBrk="1" latinLnBrk="0" hangingPunct="1">
+              <a:lnSpc>
+                <a:spcPct val="90000"/>
+              </a:lnSpc>
+              <a:spcBef>
+                <a:spcPts val="400"/>
+              </a:spcBef>
+              <a:spcAft>
+                <a:spcPts val="200"/>
+              </a:spcAft>
+              <a:buClr>
+                <a:schemeClr val="accent1">
+                  <a:lumMod val="75000"/>
+                </a:schemeClr>
+              </a:buClr>
+              <a:buSzPct val="85000"/>
+              <a:buFont typeface="Wingdings" pitchFamily="2" charset="2"/>
+              <a:buChar char="§"/>
+              <a:defRPr sz="1600" kern="1200">
+                <a:solidFill>
+                  <a:schemeClr val="tx1"/>
+                </a:solidFill>
+                <a:latin typeface="+mn-lt"/>
+                <a:ea typeface="+mn-ea"/>
+                <a:cs typeface="+mn-cs"/>
+              </a:defRPr>
+            </a:lvl7pPr>
+            <a:lvl8pPr marL="2200000" indent="-228600" algn="l" defTabSz="914400" rtl="0" eaLnBrk="1" latinLnBrk="0" hangingPunct="1">
+              <a:lnSpc>
+                <a:spcPct val="90000"/>
+              </a:lnSpc>
+              <a:spcBef>
+                <a:spcPts val="400"/>
+              </a:spcBef>
+              <a:spcAft>
+                <a:spcPts val="200"/>
+              </a:spcAft>
+              <a:buClr>
+                <a:schemeClr val="accent1">
+                  <a:lumMod val="75000"/>
+                </a:schemeClr>
+              </a:buClr>
+              <a:buSzPct val="85000"/>
+              <a:buFont typeface="Wingdings" pitchFamily="2" charset="2"/>
+              <a:buChar char="§"/>
+              <a:defRPr sz="1600" kern="1200">
+                <a:solidFill>
+                  <a:schemeClr val="tx1"/>
+                </a:solidFill>
+                <a:latin typeface="+mn-lt"/>
+                <a:ea typeface="+mn-ea"/>
+                <a:cs typeface="+mn-cs"/>
+              </a:defRPr>
+            </a:lvl8pPr>
+            <a:lvl9pPr marL="2500000" indent="-228600" algn="l" defTabSz="914400" rtl="0" eaLnBrk="1" latinLnBrk="0" hangingPunct="1">
+              <a:lnSpc>
+                <a:spcPct val="90000"/>
+              </a:lnSpc>
+              <a:spcBef>
+                <a:spcPts val="400"/>
+              </a:spcBef>
+              <a:spcAft>
+                <a:spcPts val="200"/>
+              </a:spcAft>
+              <a:buClr>
+                <a:schemeClr val="accent1">
+                  <a:lumMod val="75000"/>
+                </a:schemeClr>
+              </a:buClr>
+              <a:buSzPct val="85000"/>
+              <a:buFont typeface="Wingdings" pitchFamily="2" charset="2"/>
+              <a:buChar char="§"/>
+              <a:defRPr sz="1600" kern="1200">
+                <a:solidFill>
+                  <a:schemeClr val="tx1"/>
+                </a:solidFill>
+                <a:latin typeface="+mn-lt"/>
+                <a:ea typeface="+mn-ea"/>
+                <a:cs typeface="+mn-cs"/>
+              </a:defRPr>
+            </a:lvl9pPr>
+          </a:lstStyle>
+          <a:p>
+            <a:pPr>
+              <a:buFont typeface="Arial" panose="020B0604020202020204" pitchFamily="34" charset="0"/>
+              <a:buChar char="•"/>
+            </a:pPr>
+            <a:r>
+              <a:rPr lang="uk-UA" b="1" dirty="0"/>
+              <a:t>Насос</a:t>
+            </a:r>
+            <a:r>
+              <a:rPr lang="uk-UA" dirty="0"/>
+              <a:t>:</a:t>
+            </a:r>
+          </a:p>
+          <a:p>
+            <a:pPr marL="742950" lvl="1" indent="-285750">
+              <a:buFont typeface="Arial" panose="020B0604020202020204" pitchFamily="34" charset="0"/>
+              <a:buChar char="•"/>
+            </a:pPr>
+            <a:r>
+              <a:rPr lang="uk-UA" dirty="0"/>
+              <a:t>Продуктивність: 15–20 л/хв.</a:t>
+            </a:r>
+          </a:p>
+          <a:p>
+            <a:pPr marL="742950" lvl="1" indent="-285750">
+              <a:buFont typeface="Arial" panose="020B0604020202020204" pitchFamily="34" charset="0"/>
+              <a:buChar char="•"/>
+            </a:pPr>
+            <a:r>
+              <a:rPr lang="uk-UA" dirty="0"/>
+              <a:t>Напір: 5 м.</a:t>
+            </a:r>
+          </a:p>
+          <a:p>
+            <a:pPr marL="742950" lvl="1" indent="-285750">
+              <a:buFont typeface="Arial" panose="020B0604020202020204" pitchFamily="34" charset="0"/>
+              <a:buChar char="•"/>
+            </a:pPr>
+            <a:r>
+              <a:rPr lang="uk-UA" dirty="0"/>
+              <a:t>Тип: відцентровий (</a:t>
+            </a:r>
+            <a:r>
+              <a:rPr lang="en-US" dirty="0" err="1"/>
+              <a:t>Pedrollo</a:t>
+            </a:r>
+            <a:r>
+              <a:rPr lang="en-US" dirty="0"/>
+              <a:t> </a:t>
+            </a:r>
+            <a:r>
+              <a:rPr lang="en-US" dirty="0" err="1"/>
+              <a:t>PKm</a:t>
+            </a:r>
+            <a:r>
+              <a:rPr lang="en-US" dirty="0"/>
+              <a:t> 60).</a:t>
+            </a:r>
+          </a:p>
+          <a:p>
+            <a:pPr>
+              <a:buFont typeface="Arial" panose="020B0604020202020204" pitchFamily="34" charset="0"/>
+              <a:buChar char="•"/>
+            </a:pPr>
+            <a:r>
+              <a:rPr lang="uk-UA" b="1" dirty="0"/>
+              <a:t>Трубопроводи</a:t>
+            </a:r>
+            <a:r>
+              <a:rPr lang="uk-UA" dirty="0"/>
+              <a:t>:</a:t>
+            </a:r>
+          </a:p>
+          <a:p>
+            <a:pPr marL="742950" lvl="1" indent="-285750">
+              <a:buFont typeface="Arial" panose="020B0604020202020204" pitchFamily="34" charset="0"/>
+              <a:buChar char="•"/>
+            </a:pPr>
+            <a:r>
+              <a:rPr lang="uk-UA" dirty="0"/>
+              <a:t>Матеріал: нержавіюча сталь або </a:t>
+            </a:r>
+            <a:r>
+              <a:rPr lang="uk-UA" dirty="0" smtClean="0"/>
+              <a:t>харчовий </a:t>
+            </a:r>
+            <a:r>
+              <a:rPr lang="uk-UA" dirty="0"/>
+              <a:t>поліпропілен.</a:t>
+            </a:r>
+          </a:p>
+          <a:p>
+            <a:pPr marL="742950" lvl="1" indent="-285750">
+              <a:buFont typeface="Arial" panose="020B0604020202020204" pitchFamily="34" charset="0"/>
+              <a:buChar char="•"/>
+            </a:pPr>
+            <a:r>
+              <a:rPr lang="uk-UA" dirty="0"/>
+              <a:t>Діаметр: 20–25 мм.</a:t>
+            </a:r>
+          </a:p>
+          <a:p>
+            <a:pPr>
+              <a:buFont typeface="Arial" panose="020B0604020202020204" pitchFamily="34" charset="0"/>
+              <a:buChar char="•"/>
+            </a:pPr>
+            <a:r>
+              <a:rPr lang="uk-UA" b="1" dirty="0"/>
+              <a:t>Система контролю</a:t>
+            </a:r>
+            <a:r>
+              <a:rPr lang="uk-UA" dirty="0"/>
+              <a:t>:</a:t>
+            </a:r>
+          </a:p>
+          <a:p>
+            <a:pPr marL="742950" lvl="1" indent="-285750">
+              <a:buFont typeface="Arial" panose="020B0604020202020204" pitchFamily="34" charset="0"/>
+              <a:buChar char="•"/>
+            </a:pPr>
+            <a:r>
+              <a:rPr lang="uk-UA" dirty="0"/>
+              <a:t>Контролери температури: </a:t>
+            </a:r>
+            <a:r>
+              <a:rPr lang="en-US" dirty="0"/>
+              <a:t>Omron E5CC.</a:t>
+            </a:r>
+          </a:p>
+          <a:p>
+            <a:pPr marL="742950" lvl="1" indent="-285750">
+              <a:buFont typeface="Arial" panose="020B0604020202020204" pitchFamily="34" charset="0"/>
+              <a:buChar char="•"/>
+            </a:pPr>
+            <a:r>
+              <a:rPr lang="uk-UA" dirty="0"/>
+              <a:t>Запобіжний клапан: 6–8 бар.</a:t>
+            </a:r>
+          </a:p>
+          <a:p>
+            <a:pPr marL="742950" lvl="1" indent="-285750">
+              <a:buFont typeface="Arial" panose="020B0604020202020204" pitchFamily="34" charset="0"/>
+              <a:buChar char="•"/>
+            </a:pPr>
+            <a:r>
+              <a:rPr lang="uk-UA" dirty="0"/>
+              <a:t>Фільтри: сітчасті з нержавіючої сталі.</a:t>
+            </a:r>
+          </a:p>
+          <a:p>
+            <a:pPr marL="0" indent="0">
+              <a:buNone/>
+            </a:pPr>
+            <a:endParaRPr lang="ru-RU" dirty="0"/>
+          </a:p>
+        </p:txBody>
+      </p:sp>
+      <p:pic>
+        <p:nvPicPr>
+          <p:cNvPr id="6146" name="Picture 2" descr="E5CC-TRX3A5M-000 | Omron E5CC Panel Mount Controller, 48 x 48mm 2 Input, 3  Output Relay, 100 → 240 V ac Supply Voltage ON/OFF, PID, 2-PID | RS"/>
+          <p:cNvPicPr>
+            <a:picLocks noChangeAspect="1" noChangeArrowheads="1"/>
+          </p:cNvPicPr>
+          <p:nvPr/>
+        </p:nvPicPr>
+        <p:blipFill>
+          <a:blip r:embed="rId2">
+            <a:extLst>
+              <a:ext uri="{28A0092B-C50C-407E-A947-70E740481C1C}">
+                <a14:useLocalDpi xmlns:a14="http://schemas.microsoft.com/office/drawing/2010/main" val="0"/>
+              </a:ext>
+            </a:extLst>
+          </a:blip>
+          <a:srcRect/>
+          <a:stretch>
+            <a:fillRect/>
+          </a:stretch>
+        </p:blipFill>
+        <p:spPr bwMode="auto">
+          <a:xfrm rot="475017">
+            <a:off x="8067100" y="2858608"/>
+            <a:ext cx="3820100" cy="2151199"/>
+          </a:xfrm>
+          <a:prstGeom prst="rect">
+            <a:avLst/>
+          </a:prstGeom>
+          <a:solidFill>
+            <a:srgbClr val="FFFFFF">
+              <a:shade val="85000"/>
+            </a:srgbClr>
+          </a:solidFill>
+          <a:ln w="190500" cap="sq">
+            <a:solidFill>
+              <a:srgbClr val="FFFFFF"/>
+            </a:solidFill>
+            <a:miter lim="800000"/>
+          </a:ln>
+          <a:effectLst>
+            <a:outerShdw blurRad="65000" dist="50800" dir="12900000" kx="195000" ky="145000" algn="tl" rotWithShape="0">
+              <a:srgbClr val="000000">
+                <a:alpha val="30000"/>
+              </a:srgbClr>
+            </a:outerShdw>
+          </a:effectLst>
+          <a:scene3d>
+            <a:camera prst="orthographicFront">
+              <a:rot lat="0" lon="0" rev="360000"/>
+            </a:camera>
+            <a:lightRig rig="twoPt" dir="t">
+              <a:rot lat="0" lon="0" rev="7200000"/>
+            </a:lightRig>
+          </a:scene3d>
+          <a:sp3d contourW="12700">
+            <a:bevelT w="25400" h="19050"/>
+            <a:contourClr>
+              <a:srgbClr val="969696"/>
+            </a:contourClr>
+          </a:sp3d>
+          <a:extLst>
+            <a:ext uri="{909E8E84-426E-40DD-AFC4-6F175D3DCCD1}">
+              <a14:hiddenFill xmlns:a14="http://schemas.microsoft.com/office/drawing/2010/main">
+                <a:solidFill>
+                  <a:srgbClr val="FFFFFF"/>
+                </a:solidFill>
+              </a14:hiddenFill>
+            </a:ext>
+          </a:extLst>
+        </p:spPr>
+      </p:pic>
+    </p:spTree>
+    <p:extLst>
+      <p:ext uri="{BB962C8B-B14F-4D97-AF65-F5344CB8AC3E}">
+        <p14:creationId xmlns:p14="http://schemas.microsoft.com/office/powerpoint/2010/main" val="3629757878"/>
+      </p:ext>
+    </p:extLst>
+  </p:cSld>
+  <p:clrMapOvr>
+    <a:masterClrMapping/>
+  </p:clrMapOvr>
+</p:sld>
+</file>
+
+<file path=ppt/slides/slide11.xml><?xml version="1.0" encoding="utf-8"?>
+<p:sld xmlns:a="http://schemas.openxmlformats.org/drawingml/2006/main" xmlns:r="http://schemas.openxmlformats.org/officeDocument/2006/relationships" xmlns:p="http://schemas.openxmlformats.org/presentationml/2006/main">
+  <p:cSld>
+    <p:bg>
+      <p:bgPr>
+        <a:gradFill>
+          <a:gsLst>
+            <a:gs pos="20000">
+              <a:srgbClr val="F9D0C2"/>
+            </a:gs>
+            <a:gs pos="59000">
+              <a:schemeClr val="accent1">
+                <a:lumMod val="45000"/>
+                <a:lumOff val="55000"/>
+              </a:schemeClr>
+            </a:gs>
+            <a:gs pos="100000">
+              <a:schemeClr val="accent1">
+                <a:lumMod val="30000"/>
+                <a:lumOff val="70000"/>
+              </a:schemeClr>
+            </a:gs>
+          </a:gsLst>
+          <a:lin ang="5400000" scaled="1"/>
+        </a:gradFill>
+        <a:effectLst/>
+      </p:bgPr>
+    </p:bg>
+    <p:spTree>
+      <p:nvGrpSpPr>
+        <p:cNvPr id="1" name=""/>
+        <p:cNvGrpSpPr/>
+        <p:nvPr/>
+      </p:nvGrpSpPr>
+      <p:grpSpPr>
+        <a:xfrm>
+          <a:off x="0" y="0"/>
+          <a:ext cx="0" cy="0"/>
+          <a:chOff x="0" y="0"/>
+          <a:chExt cx="0" cy="0"/>
+        </a:xfrm>
+      </p:grpSpPr>
+      <p:sp>
+        <p:nvSpPr>
+          <p:cNvPr id="2" name="Заголовок 1">
+            <a:extLst>
+              <a:ext uri="{FF2B5EF4-FFF2-40B4-BE49-F238E27FC236}">
                 <a16:creationId xmlns:a16="http://schemas.microsoft.com/office/drawing/2014/main" id="{837CE520-1EBE-8FA5-3D2C-04D9104DF104}"/>
               </a:ext>
             </a:extLst>
@@ -5029,7 +5759,7 @@
           <a:lstStyle/>
           <a:p>
             <a:r>
-              <a:rPr lang="uk-UA"/>
+              <a:rPr lang="uk-UA" dirty="0"/>
               <a:t>Охорона праці</a:t>
             </a:r>
           </a:p>
@@ -5470,6 +6200,75 @@
           </a:p>
         </p:txBody>
       </p:sp>
+      <p:pic>
+        <p:nvPicPr>
+          <p:cNvPr id="7170" name="Picture 2" descr="covid безопасный парикмахерский салон - охорона праці ресторан стоковые фото и изображения"/>
+          <p:cNvPicPr>
+            <a:picLocks noChangeAspect="1" noChangeArrowheads="1"/>
+          </p:cNvPicPr>
+          <p:nvPr/>
+        </p:nvPicPr>
+        <p:blipFill>
+          <a:blip r:embed="rId2">
+            <a:extLst>
+              <a:ext uri="{28A0092B-C50C-407E-A947-70E740481C1C}">
+                <a14:useLocalDpi xmlns:a14="http://schemas.microsoft.com/office/drawing/2010/main" val="0"/>
+              </a:ext>
+            </a:extLst>
+          </a:blip>
+          <a:srcRect/>
+          <a:stretch>
+            <a:fillRect/>
+          </a:stretch>
+        </p:blipFill>
+        <p:spPr bwMode="auto">
+          <a:xfrm>
+            <a:off x="7356671" y="2380341"/>
+            <a:ext cx="4064540" cy="2709694"/>
+          </a:xfrm>
+          <a:prstGeom prst="rect">
+            <a:avLst/>
+          </a:prstGeom>
+          <a:solidFill>
+            <a:srgbClr val="FFFFFF">
+              <a:shade val="85000"/>
+            </a:srgbClr>
+          </a:solidFill>
+          <a:ln w="190500" cap="rnd">
+            <a:solidFill>
+              <a:srgbClr val="FFFFFF"/>
+            </a:solidFill>
+          </a:ln>
+          <a:effectLst>
+            <a:outerShdw blurRad="50000" algn="tl" rotWithShape="0">
+              <a:srgbClr val="000000">
+                <a:alpha val="41000"/>
+              </a:srgbClr>
+            </a:outerShdw>
+          </a:effectLst>
+          <a:scene3d>
+            <a:camera prst="orthographicFront"/>
+            <a:lightRig rig="twoPt" dir="t">
+              <a:rot lat="0" lon="0" rev="7800000"/>
+            </a:lightRig>
+          </a:scene3d>
+          <a:sp3d contourW="6350">
+            <a:bevelT w="50800" h="16510"/>
+            <a:contourClr>
+              <a:srgbClr val="C0C0C0"/>
+            </a:contourClr>
+          </a:sp3d>
+          <a:extLst>
+            <a:ext uri="{909E8E84-426E-40DD-AFC4-6F175D3DCCD1}">
+              <a14:hiddenFill xmlns:a14="http://schemas.microsoft.com/office/drawing/2010/main">
+                <a:solidFill>
+                  <a:srgbClr val="FFFFFF"/>
+                </a:solidFill>
+              </a14:hiddenFill>
+            </a:ext>
+          </a:extLst>
+        </p:spPr>
+      </p:pic>
     </p:spTree>
     <p:extLst>
       <p:ext uri="{BB962C8B-B14F-4D97-AF65-F5344CB8AC3E}">
@@ -5483,7 +6282,7 @@
 </p:sld>
 </file>
 
-<file path=ppt/slides/slide11.xml><?xml version="1.0" encoding="utf-8"?>
+<file path=ppt/slides/slide12.xml><?xml version="1.0" encoding="utf-8"?>
 <p:sld xmlns:a="http://schemas.openxmlformats.org/drawingml/2006/main" xmlns:r="http://schemas.openxmlformats.org/officeDocument/2006/relationships" xmlns:p="http://schemas.openxmlformats.org/presentationml/2006/main">
   <p:cSld>
     <p:bg>
@@ -5547,7 +6346,7 @@
           <a:lstStyle/>
           <a:p>
             <a:r>
-              <a:rPr lang="uk-UA"/>
+              <a:rPr lang="uk-UA" dirty="0"/>
               <a:t>Охорона навколишнього середовища</a:t>
             </a:r>
           </a:p>
@@ -5997,6 +6796,75 @@
           </a:p>
         </p:txBody>
       </p:sp>
+      <p:pic>
+        <p:nvPicPr>
+          <p:cNvPr id="8194" name="Picture 2" descr="озеро в форме капли воды посреди нетронутой природы. экологическая метафора способности природы удерживать и очищать воду. 3d рендеринг. - охорона навколишнього середовища стоковые фото и изображения"/>
+          <p:cNvPicPr>
+            <a:picLocks noChangeAspect="1" noChangeArrowheads="1"/>
+          </p:cNvPicPr>
+          <p:nvPr/>
+        </p:nvPicPr>
+        <p:blipFill>
+          <a:blip r:embed="rId2">
+            <a:extLst>
+              <a:ext uri="{28A0092B-C50C-407E-A947-70E740481C1C}">
+                <a14:useLocalDpi xmlns:a14="http://schemas.microsoft.com/office/drawing/2010/main" val="0"/>
+              </a:ext>
+            </a:extLst>
+          </a:blip>
+          <a:srcRect/>
+          <a:stretch>
+            <a:fillRect/>
+          </a:stretch>
+        </p:blipFill>
+        <p:spPr bwMode="auto">
+          <a:xfrm rot="689440">
+            <a:off x="7082159" y="2811749"/>
+            <a:ext cx="4462365" cy="2974911"/>
+          </a:xfrm>
+          <a:prstGeom prst="rect">
+            <a:avLst/>
+          </a:prstGeom>
+          <a:solidFill>
+            <a:srgbClr val="FFFFFF">
+              <a:shade val="85000"/>
+            </a:srgbClr>
+          </a:solidFill>
+          <a:ln w="190500" cap="rnd">
+            <a:solidFill>
+              <a:srgbClr val="FFFFFF"/>
+            </a:solidFill>
+          </a:ln>
+          <a:effectLst>
+            <a:outerShdw blurRad="50000" algn="tl" rotWithShape="0">
+              <a:srgbClr val="000000">
+                <a:alpha val="41000"/>
+              </a:srgbClr>
+            </a:outerShdw>
+          </a:effectLst>
+          <a:scene3d>
+            <a:camera prst="orthographicFront"/>
+            <a:lightRig rig="twoPt" dir="t">
+              <a:rot lat="0" lon="0" rev="7800000"/>
+            </a:lightRig>
+          </a:scene3d>
+          <a:sp3d contourW="6350">
+            <a:bevelT w="50800" h="16510"/>
+            <a:contourClr>
+              <a:srgbClr val="C0C0C0"/>
+            </a:contourClr>
+          </a:sp3d>
+          <a:extLst>
+            <a:ext uri="{909E8E84-426E-40DD-AFC4-6F175D3DCCD1}">
+              <a14:hiddenFill xmlns:a14="http://schemas.microsoft.com/office/drawing/2010/main">
+                <a:solidFill>
+                  <a:srgbClr val="FFFFFF"/>
+                </a:solidFill>
+              </a14:hiddenFill>
+            </a:ext>
+          </a:extLst>
+        </p:spPr>
+      </p:pic>
     </p:spTree>
     <p:extLst>
       <p:ext uri="{BB962C8B-B14F-4D97-AF65-F5344CB8AC3E}">
@@ -6010,7 +6878,7 @@
 </p:sld>
 </file>
 
-<file path=ppt/slides/slide12.xml><?xml version="1.0" encoding="utf-8"?>
+<file path=ppt/slides/slide13.xml><?xml version="1.0" encoding="utf-8"?>
 <p:sld xmlns:a="http://schemas.openxmlformats.org/drawingml/2006/main" xmlns:r="http://schemas.openxmlformats.org/officeDocument/2006/relationships" xmlns:p="http://schemas.openxmlformats.org/presentationml/2006/main">
   <p:cSld>
     <p:bg>
@@ -6403,7 +7271,7 @@
               <a:buChar char="•"/>
             </a:pPr>
             <a:r>
-              <a:rPr lang="uk-UA" dirty="0"/>
+              <a:rPr lang="uk-UA" b="1" dirty="0"/>
               <a:t>Результати проекту</a:t>
             </a:r>
             <a:r>
@@ -6449,20 +7317,20 @@
               <a:t> </a:t>
             </a:r>
             <a:r>
-              <a:rPr lang="ru-RU" dirty="0" err="1"/>
+              <a:rPr lang="ru-RU" dirty="0" err="1" smtClean="0"/>
               <a:t>безперервної</a:t>
             </a:r>
             <a:r>
-              <a:rPr lang="ru-RU" dirty="0"/>
+              <a:rPr lang="ru-RU" dirty="0" smtClean="0"/>
               <a:t> </a:t>
             </a:r>
             <a:r>
-              <a:rPr lang="ru-RU" dirty="0" err="1"/>
-              <a:t>дії.Потужність</a:t>
-            </a:r>
-            <a:r>
-              <a:rPr lang="ru-RU" dirty="0"/>
-              <a:t>: 1,3 кВт.</a:t>
+              <a:rPr lang="ru-RU" dirty="0" err="1" smtClean="0"/>
+              <a:t>дії</a:t>
+            </a:r>
+            <a:r>
+              <a:rPr lang="ru-RU" dirty="0" smtClean="0"/>
+              <a:t>.</a:t>
             </a:r>
           </a:p>
           <a:p>
@@ -6471,11 +7339,11 @@
               <a:buChar char="•"/>
             </a:pPr>
             <a:r>
-              <a:rPr lang="ru-RU" dirty="0" err="1"/>
+              <a:rPr lang="ru-RU" dirty="0" err="1" smtClean="0"/>
               <a:t>Оптимізовано</a:t>
             </a:r>
             <a:r>
-              <a:rPr lang="ru-RU" dirty="0"/>
+              <a:rPr lang="ru-RU" dirty="0" smtClean="0"/>
               <a:t> </a:t>
             </a:r>
             <a:r>
@@ -7281,6 +8149,78 @@
           </a:p>
         </p:txBody>
       </p:sp>
+      <p:pic>
+        <p:nvPicPr>
+          <p:cNvPr id="1026" name="Picture 2" descr="воды, природа, падение, жидкость, лепесток, капли воды"/>
+          <p:cNvPicPr>
+            <a:picLocks noChangeAspect="1" noChangeArrowheads="1"/>
+          </p:cNvPicPr>
+          <p:nvPr/>
+        </p:nvPicPr>
+        <p:blipFill>
+          <a:blip r:embed="rId2">
+            <a:extLst>
+              <a:ext uri="{28A0092B-C50C-407E-A947-70E740481C1C}">
+                <a14:useLocalDpi xmlns:a14="http://schemas.microsoft.com/office/drawing/2010/main" val="0"/>
+              </a:ext>
+            </a:extLst>
+          </a:blip>
+          <a:srcRect/>
+          <a:stretch>
+            <a:fillRect/>
+          </a:stretch>
+        </p:blipFill>
+        <p:spPr bwMode="auto">
+          <a:xfrm>
+            <a:off x="8296025" y="2671824"/>
+            <a:ext cx="3436190" cy="2290793"/>
+          </a:xfrm>
+          <a:prstGeom prst="rect">
+            <a:avLst/>
+          </a:prstGeom>
+          <a:solidFill>
+            <a:srgbClr val="FFFFFF">
+              <a:shade val="85000"/>
+            </a:srgbClr>
+          </a:solidFill>
+          <a:ln w="190500" cap="sq">
+            <a:solidFill>
+              <a:srgbClr val="FFFFFF"/>
+            </a:solidFill>
+            <a:miter lim="800000"/>
+          </a:ln>
+          <a:effectLst>
+            <a:outerShdw blurRad="65000" dist="50800" dir="12900000" kx="195000" ky="145000" algn="tl" rotWithShape="0">
+              <a:srgbClr val="000000">
+                <a:alpha val="30000"/>
+              </a:srgbClr>
+            </a:outerShdw>
+          </a:effectLst>
+          <a:scene3d>
+            <a:camera prst="orthographicFront">
+              <a:rot lat="0" lon="0" rev="360000"/>
+            </a:camera>
+            <a:lightRig rig="twoPt" dir="t">
+              <a:rot lat="0" lon="0" rev="7200000"/>
+            </a:lightRig>
+          </a:scene3d>
+          <a:sp3d contourW="12700">
+            <a:bevelT w="25400" h="19050"/>
+            <a:contourClr>
+              <a:srgbClr val="969696"/>
+            </a:contourClr>
+          </a:sp3d>
+          <a:extLst>
+            <a:ext uri="{909E8E84-426E-40DD-AFC4-6F175D3DCCD1}">
+              <a14:hiddenFill xmlns:a14="http://schemas.microsoft.com/office/drawing/2010/main">
+                <a:solidFill>
+                  <a:srgbClr val="FFFFFF"/>
+                </a:solidFill>
+              </a14:hiddenFill>
+            </a:ext>
+          </a:extLst>
+        </p:spPr>
+      </p:pic>
     </p:spTree>
     <p:extLst>
       <p:ext uri="{BB962C8B-B14F-4D97-AF65-F5344CB8AC3E}">
@@ -7358,7 +8298,7 @@
           <a:lstStyle/>
           <a:p>
             <a:r>
-              <a:rPr lang="uk-UA"/>
+              <a:rPr lang="uk-UA" dirty="0"/>
               <a:t>Загальна частина: Технологічний процес</a:t>
             </a:r>
           </a:p>
@@ -7851,6 +8791,78 @@
           </a:p>
         </p:txBody>
       </p:sp>
+      <p:pic>
+        <p:nvPicPr>
+          <p:cNvPr id="2050" name="Picture 2" descr="Чи можна кип'ятити воду кілька разів? - Хвиля здоров'я"/>
+          <p:cNvPicPr>
+            <a:picLocks noChangeAspect="1" noChangeArrowheads="1"/>
+          </p:cNvPicPr>
+          <p:nvPr/>
+        </p:nvPicPr>
+        <p:blipFill>
+          <a:blip r:embed="rId2" cstate="hqprint">
+            <a:extLst>
+              <a:ext uri="{28A0092B-C50C-407E-A947-70E740481C1C}">
+                <a14:useLocalDpi xmlns:a14="http://schemas.microsoft.com/office/drawing/2010/main" val="0"/>
+              </a:ext>
+            </a:extLst>
+          </a:blip>
+          <a:srcRect/>
+          <a:stretch>
+            <a:fillRect/>
+          </a:stretch>
+        </p:blipFill>
+        <p:spPr bwMode="auto">
+          <a:xfrm rot="971320">
+            <a:off x="7901978" y="2682213"/>
+            <a:ext cx="3668410" cy="2751308"/>
+          </a:xfrm>
+          <a:prstGeom prst="rect">
+            <a:avLst/>
+          </a:prstGeom>
+          <a:solidFill>
+            <a:srgbClr val="FFFFFF">
+              <a:shade val="85000"/>
+            </a:srgbClr>
+          </a:solidFill>
+          <a:ln w="190500" cap="sq">
+            <a:solidFill>
+              <a:srgbClr val="FFFFFF"/>
+            </a:solidFill>
+            <a:miter lim="800000"/>
+          </a:ln>
+          <a:effectLst>
+            <a:outerShdw blurRad="65000" dist="50800" dir="12900000" kx="195000" ky="145000" algn="tl" rotWithShape="0">
+              <a:srgbClr val="000000">
+                <a:alpha val="30000"/>
+              </a:srgbClr>
+            </a:outerShdw>
+          </a:effectLst>
+          <a:scene3d>
+            <a:camera prst="orthographicFront">
+              <a:rot lat="0" lon="0" rev="360000"/>
+            </a:camera>
+            <a:lightRig rig="twoPt" dir="t">
+              <a:rot lat="0" lon="0" rev="7200000"/>
+            </a:lightRig>
+          </a:scene3d>
+          <a:sp3d contourW="12700">
+            <a:bevelT w="25400" h="19050"/>
+            <a:contourClr>
+              <a:srgbClr val="969696"/>
+            </a:contourClr>
+          </a:sp3d>
+          <a:extLst>
+            <a:ext uri="{909E8E84-426E-40DD-AFC4-6F175D3DCCD1}">
+              <a14:hiddenFill xmlns:a14="http://schemas.microsoft.com/office/drawing/2010/main">
+                <a:solidFill>
+                  <a:srgbClr val="FFFFFF"/>
+                </a:solidFill>
+              </a14:hiddenFill>
+            </a:ext>
+          </a:extLst>
+        </p:spPr>
+      </p:pic>
     </p:spTree>
     <p:extLst>
       <p:ext uri="{BB962C8B-B14F-4D97-AF65-F5344CB8AC3E}">
@@ -7865,6 +8877,554 @@
 </file>
 
 <file path=ppt/slides/slide5.xml><?xml version="1.0" encoding="utf-8"?>
+<p:sld xmlns:a="http://schemas.openxmlformats.org/drawingml/2006/main" xmlns:r="http://schemas.openxmlformats.org/officeDocument/2006/relationships" xmlns:p="http://schemas.openxmlformats.org/presentationml/2006/main">
+  <p:cSld>
+    <p:bg>
+      <p:bgPr>
+        <a:gradFill>
+          <a:gsLst>
+            <a:gs pos="20000">
+              <a:srgbClr val="F9D0C2"/>
+            </a:gs>
+            <a:gs pos="59000">
+              <a:schemeClr val="accent1">
+                <a:lumMod val="45000"/>
+                <a:lumOff val="55000"/>
+              </a:schemeClr>
+            </a:gs>
+            <a:gs pos="100000">
+              <a:schemeClr val="accent1">
+                <a:lumMod val="30000"/>
+                <a:lumOff val="70000"/>
+              </a:schemeClr>
+            </a:gs>
+          </a:gsLst>
+          <a:lin ang="5400000" scaled="1"/>
+        </a:gradFill>
+        <a:effectLst/>
+      </p:bgPr>
+    </p:bg>
+    <p:spTree>
+      <p:nvGrpSpPr>
+        <p:cNvPr id="1" name=""/>
+        <p:cNvGrpSpPr/>
+        <p:nvPr/>
+      </p:nvGrpSpPr>
+      <p:grpSpPr>
+        <a:xfrm>
+          <a:off x="0" y="0"/>
+          <a:ext cx="0" cy="0"/>
+          <a:chOff x="0" y="0"/>
+          <a:chExt cx="0" cy="0"/>
+        </a:xfrm>
+      </p:grpSpPr>
+      <p:sp>
+        <p:nvSpPr>
+          <p:cNvPr id="2" name="Заголовок 1">
+            <a:extLst>
+              <a:ext uri="{FF2B5EF4-FFF2-40B4-BE49-F238E27FC236}">
+                <a16:creationId xmlns:a16="http://schemas.microsoft.com/office/drawing/2014/main" id="{4B3A7EE6-E19E-3460-2505-9852C73E4880}"/>
+              </a:ext>
+            </a:extLst>
+          </p:cNvPr>
+          <p:cNvSpPr>
+            <a:spLocks noGrp="1"/>
+          </p:cNvSpPr>
+          <p:nvPr>
+            <p:ph type="title"/>
+          </p:nvPr>
+        </p:nvSpPr>
+        <p:spPr/>
+        <p:txBody>
+          <a:bodyPr/>
+          <a:lstStyle/>
+          <a:p>
+            <a:r>
+              <a:rPr lang="uk-UA" dirty="0"/>
+              <a:t>Загальна частина: Технологічний процес</a:t>
+            </a:r>
+          </a:p>
+        </p:txBody>
+      </p:sp>
+      <p:cxnSp>
+        <p:nvCxnSpPr>
+          <p:cNvPr id="4" name="Пряма сполучна лінія 3">
+            <a:extLst>
+              <a:ext uri="{FF2B5EF4-FFF2-40B4-BE49-F238E27FC236}">
+                <a16:creationId xmlns:a16="http://schemas.microsoft.com/office/drawing/2014/main" id="{AFA9F042-85D4-9ED5-A6F5-656353D9F195}"/>
+              </a:ext>
+            </a:extLst>
+          </p:cNvPr>
+          <p:cNvCxnSpPr>
+            <a:cxnSpLocks/>
+          </p:cNvCxnSpPr>
+          <p:nvPr/>
+        </p:nvCxnSpPr>
+        <p:spPr>
+          <a:xfrm>
+            <a:off x="1165013" y="2045547"/>
+            <a:ext cx="8432800" cy="0"/>
+          </a:xfrm>
+          <a:prstGeom prst="line">
+            <a:avLst/>
+          </a:prstGeom>
+          <a:ln w="28575">
+            <a:solidFill>
+              <a:schemeClr val="tx1">
+                <a:lumMod val="95000"/>
+                <a:lumOff val="5000"/>
+              </a:schemeClr>
+            </a:solidFill>
+          </a:ln>
+        </p:spPr>
+        <p:style>
+          <a:lnRef idx="1">
+            <a:schemeClr val="accent1"/>
+          </a:lnRef>
+          <a:fillRef idx="0">
+            <a:schemeClr val="accent1"/>
+          </a:fillRef>
+          <a:effectRef idx="0">
+            <a:schemeClr val="accent1"/>
+          </a:effectRef>
+          <a:fontRef idx="minor">
+            <a:schemeClr val="tx1"/>
+          </a:fontRef>
+        </p:style>
+      </p:cxnSp>
+      <p:sp>
+        <p:nvSpPr>
+          <p:cNvPr id="9" name="Місце для тексту 2">
+            <a:extLst>
+              <a:ext uri="{FF2B5EF4-FFF2-40B4-BE49-F238E27FC236}">
+                <a16:creationId xmlns:a16="http://schemas.microsoft.com/office/drawing/2014/main" id="{1FBE96D1-5358-F035-45D5-896F9923622E}"/>
+              </a:ext>
+            </a:extLst>
+          </p:cNvPr>
+          <p:cNvSpPr txBox="1">
+            <a:spLocks/>
+          </p:cNvSpPr>
+          <p:nvPr/>
+        </p:nvSpPr>
+        <p:spPr>
+          <a:xfrm>
+            <a:off x="1222248" y="2273808"/>
+            <a:ext cx="10058400" cy="4050792"/>
+          </a:xfrm>
+          <a:prstGeom prst="rect">
+            <a:avLst/>
+          </a:prstGeom>
+        </p:spPr>
+        <p:txBody>
+          <a:bodyPr vert="horz" lIns="91440" tIns="45720" rIns="91440" bIns="45720" rtlCol="0">
+            <a:normAutofit fontScale="92500" lnSpcReduction="20000"/>
+          </a:bodyPr>
+          <a:lstStyle>
+            <a:lvl1pPr marL="182880" indent="-182880" algn="l" defTabSz="914400" rtl="0" eaLnBrk="1" latinLnBrk="0" hangingPunct="1">
+              <a:lnSpc>
+                <a:spcPct val="90000"/>
+              </a:lnSpc>
+              <a:spcBef>
+                <a:spcPts val="1200"/>
+              </a:spcBef>
+              <a:buClr>
+                <a:schemeClr val="accent1">
+                  <a:lumMod val="75000"/>
+                </a:schemeClr>
+              </a:buClr>
+              <a:buSzPct val="85000"/>
+              <a:buFont typeface="Wingdings" pitchFamily="2" charset="2"/>
+              <a:buChar char="§"/>
+              <a:defRPr sz="2000" kern="1200">
+                <a:solidFill>
+                  <a:schemeClr val="tx1"/>
+                </a:solidFill>
+                <a:latin typeface="+mn-lt"/>
+                <a:ea typeface="+mn-ea"/>
+                <a:cs typeface="+mn-cs"/>
+              </a:defRPr>
+            </a:lvl1pPr>
+            <a:lvl2pPr marL="457200" indent="-182880" algn="l" defTabSz="914400" rtl="0" eaLnBrk="1" latinLnBrk="0" hangingPunct="1">
+              <a:lnSpc>
+                <a:spcPct val="90000"/>
+              </a:lnSpc>
+              <a:spcBef>
+                <a:spcPts val="400"/>
+              </a:spcBef>
+              <a:spcAft>
+                <a:spcPts val="200"/>
+              </a:spcAft>
+              <a:buClr>
+                <a:schemeClr val="accent1">
+                  <a:lumMod val="75000"/>
+                </a:schemeClr>
+              </a:buClr>
+              <a:buSzPct val="85000"/>
+              <a:buFont typeface="Wingdings" pitchFamily="2" charset="2"/>
+              <a:buChar char="§"/>
+              <a:defRPr sz="1800" kern="1200">
+                <a:solidFill>
+                  <a:schemeClr val="tx1"/>
+                </a:solidFill>
+                <a:latin typeface="+mn-lt"/>
+                <a:ea typeface="+mn-ea"/>
+                <a:cs typeface="+mn-cs"/>
+              </a:defRPr>
+            </a:lvl2pPr>
+            <a:lvl3pPr marL="731520" indent="-182880" algn="l" defTabSz="914400" rtl="0" eaLnBrk="1" latinLnBrk="0" hangingPunct="1">
+              <a:lnSpc>
+                <a:spcPct val="90000"/>
+              </a:lnSpc>
+              <a:spcBef>
+                <a:spcPts val="400"/>
+              </a:spcBef>
+              <a:spcAft>
+                <a:spcPts val="200"/>
+              </a:spcAft>
+              <a:buClr>
+                <a:schemeClr val="accent1">
+                  <a:lumMod val="75000"/>
+                </a:schemeClr>
+              </a:buClr>
+              <a:buSzPct val="85000"/>
+              <a:buFont typeface="Wingdings" pitchFamily="2" charset="2"/>
+              <a:buChar char="§"/>
+              <a:defRPr sz="1600" kern="1200">
+                <a:solidFill>
+                  <a:schemeClr val="tx1"/>
+                </a:solidFill>
+                <a:latin typeface="+mn-lt"/>
+                <a:ea typeface="+mn-ea"/>
+                <a:cs typeface="+mn-cs"/>
+              </a:defRPr>
+            </a:lvl3pPr>
+            <a:lvl4pPr marL="1005840" indent="-182880" algn="l" defTabSz="914400" rtl="0" eaLnBrk="1" latinLnBrk="0" hangingPunct="1">
+              <a:lnSpc>
+                <a:spcPct val="90000"/>
+              </a:lnSpc>
+              <a:spcBef>
+                <a:spcPts val="400"/>
+              </a:spcBef>
+              <a:spcAft>
+                <a:spcPts val="200"/>
+              </a:spcAft>
+              <a:buClr>
+                <a:schemeClr val="accent1">
+                  <a:lumMod val="75000"/>
+                </a:schemeClr>
+              </a:buClr>
+              <a:buSzPct val="85000"/>
+              <a:buFont typeface="Wingdings" pitchFamily="2" charset="2"/>
+              <a:buChar char="§"/>
+              <a:defRPr sz="1600" kern="1200">
+                <a:solidFill>
+                  <a:schemeClr val="tx1"/>
+                </a:solidFill>
+                <a:latin typeface="+mn-lt"/>
+                <a:ea typeface="+mn-ea"/>
+                <a:cs typeface="+mn-cs"/>
+              </a:defRPr>
+            </a:lvl4pPr>
+            <a:lvl5pPr marL="1280160" indent="-182880" algn="l" defTabSz="914400" rtl="0" eaLnBrk="1" latinLnBrk="0" hangingPunct="1">
+              <a:lnSpc>
+                <a:spcPct val="90000"/>
+              </a:lnSpc>
+              <a:spcBef>
+                <a:spcPts val="400"/>
+              </a:spcBef>
+              <a:spcAft>
+                <a:spcPts val="200"/>
+              </a:spcAft>
+              <a:buClr>
+                <a:schemeClr val="accent1">
+                  <a:lumMod val="75000"/>
+                </a:schemeClr>
+              </a:buClr>
+              <a:buSzPct val="85000"/>
+              <a:buFont typeface="Wingdings" pitchFamily="2" charset="2"/>
+              <a:buChar char="§"/>
+              <a:defRPr sz="1600" kern="1200">
+                <a:solidFill>
+                  <a:schemeClr val="tx1"/>
+                </a:solidFill>
+                <a:latin typeface="+mn-lt"/>
+                <a:ea typeface="+mn-ea"/>
+                <a:cs typeface="+mn-cs"/>
+              </a:defRPr>
+            </a:lvl5pPr>
+            <a:lvl6pPr marL="1600000" indent="-228600" algn="l" defTabSz="914400" rtl="0" eaLnBrk="1" latinLnBrk="0" hangingPunct="1">
+              <a:lnSpc>
+                <a:spcPct val="90000"/>
+              </a:lnSpc>
+              <a:spcBef>
+                <a:spcPts val="400"/>
+              </a:spcBef>
+              <a:spcAft>
+                <a:spcPts val="200"/>
+              </a:spcAft>
+              <a:buClr>
+                <a:schemeClr val="accent1">
+                  <a:lumMod val="75000"/>
+                </a:schemeClr>
+              </a:buClr>
+              <a:buSzPct val="85000"/>
+              <a:buFont typeface="Wingdings" pitchFamily="2" charset="2"/>
+              <a:buChar char="§"/>
+              <a:defRPr sz="1600" kern="1200">
+                <a:solidFill>
+                  <a:schemeClr val="tx1"/>
+                </a:solidFill>
+                <a:latin typeface="+mn-lt"/>
+                <a:ea typeface="+mn-ea"/>
+                <a:cs typeface="+mn-cs"/>
+              </a:defRPr>
+            </a:lvl6pPr>
+            <a:lvl7pPr marL="1900000" indent="-228600" algn="l" defTabSz="914400" rtl="0" eaLnBrk="1" latinLnBrk="0" hangingPunct="1">
+              <a:lnSpc>
+                <a:spcPct val="90000"/>
+              </a:lnSpc>
+              <a:spcBef>
+                <a:spcPts val="400"/>
+              </a:spcBef>
+              <a:spcAft>
+                <a:spcPts val="200"/>
+              </a:spcAft>
+              <a:buClr>
+                <a:schemeClr val="accent1">
+                  <a:lumMod val="75000"/>
+                </a:schemeClr>
+              </a:buClr>
+              <a:buSzPct val="85000"/>
+              <a:buFont typeface="Wingdings" pitchFamily="2" charset="2"/>
+              <a:buChar char="§"/>
+              <a:defRPr sz="1600" kern="1200">
+                <a:solidFill>
+                  <a:schemeClr val="tx1"/>
+                </a:solidFill>
+                <a:latin typeface="+mn-lt"/>
+                <a:ea typeface="+mn-ea"/>
+                <a:cs typeface="+mn-cs"/>
+              </a:defRPr>
+            </a:lvl7pPr>
+            <a:lvl8pPr marL="2200000" indent="-228600" algn="l" defTabSz="914400" rtl="0" eaLnBrk="1" latinLnBrk="0" hangingPunct="1">
+              <a:lnSpc>
+                <a:spcPct val="90000"/>
+              </a:lnSpc>
+              <a:spcBef>
+                <a:spcPts val="400"/>
+              </a:spcBef>
+              <a:spcAft>
+                <a:spcPts val="200"/>
+              </a:spcAft>
+              <a:buClr>
+                <a:schemeClr val="accent1">
+                  <a:lumMod val="75000"/>
+                </a:schemeClr>
+              </a:buClr>
+              <a:buSzPct val="85000"/>
+              <a:buFont typeface="Wingdings" pitchFamily="2" charset="2"/>
+              <a:buChar char="§"/>
+              <a:defRPr sz="1600" kern="1200">
+                <a:solidFill>
+                  <a:schemeClr val="tx1"/>
+                </a:solidFill>
+                <a:latin typeface="+mn-lt"/>
+                <a:ea typeface="+mn-ea"/>
+                <a:cs typeface="+mn-cs"/>
+              </a:defRPr>
+            </a:lvl8pPr>
+            <a:lvl9pPr marL="2500000" indent="-228600" algn="l" defTabSz="914400" rtl="0" eaLnBrk="1" latinLnBrk="0" hangingPunct="1">
+              <a:lnSpc>
+                <a:spcPct val="90000"/>
+              </a:lnSpc>
+              <a:spcBef>
+                <a:spcPts val="400"/>
+              </a:spcBef>
+              <a:spcAft>
+                <a:spcPts val="200"/>
+              </a:spcAft>
+              <a:buClr>
+                <a:schemeClr val="accent1">
+                  <a:lumMod val="75000"/>
+                </a:schemeClr>
+              </a:buClr>
+              <a:buSzPct val="85000"/>
+              <a:buFont typeface="Wingdings" pitchFamily="2" charset="2"/>
+              <a:buChar char="§"/>
+              <a:defRPr sz="1600" kern="1200">
+                <a:solidFill>
+                  <a:schemeClr val="tx1"/>
+                </a:solidFill>
+                <a:latin typeface="+mn-lt"/>
+                <a:ea typeface="+mn-ea"/>
+                <a:cs typeface="+mn-cs"/>
+              </a:defRPr>
+            </a:lvl9pPr>
+          </a:lstStyle>
+          <a:p>
+            <a:pPr>
+              <a:buFont typeface="Arial" panose="020B0604020202020204" pitchFamily="34" charset="0"/>
+              <a:buChar char="•"/>
+            </a:pPr>
+            <a:r>
+              <a:rPr lang="uk-UA" b="1" dirty="0"/>
+              <a:t>Існуючі варіанти організації технологічного процесу</a:t>
+            </a:r>
+          </a:p>
+          <a:p>
+            <a:pPr>
+              <a:buFont typeface="Arial" panose="020B0604020202020204" pitchFamily="34" charset="0"/>
+              <a:buChar char="•"/>
+            </a:pPr>
+            <a:r>
+              <a:rPr lang="uk-UA" b="1" dirty="0"/>
+              <a:t>Нагрівання в ємності з періодичною подачею води</a:t>
+            </a:r>
+            <a:r>
+              <a:rPr lang="uk-UA" dirty="0"/>
+              <a:t>:</a:t>
+            </a:r>
+          </a:p>
+          <a:p>
+            <a:pPr lvl="1">
+              <a:buFont typeface="Arial" panose="020B0604020202020204" pitchFamily="34" charset="0"/>
+              <a:buChar char="•"/>
+            </a:pPr>
+            <a:r>
+              <a:rPr lang="uk-UA" dirty="0"/>
+              <a:t>Принцип: вода нагрівається в резервуарі, після чого використовується.</a:t>
+            </a:r>
+          </a:p>
+          <a:p>
+            <a:pPr lvl="1">
+              <a:buFont typeface="Arial" panose="020B0604020202020204" pitchFamily="34" charset="0"/>
+              <a:buChar char="•"/>
+            </a:pPr>
+            <a:r>
+              <a:rPr lang="uk-UA" dirty="0"/>
+              <a:t>Переваги: проста конструкція, низька вартість.</a:t>
+            </a:r>
+          </a:p>
+          <a:p>
+            <a:pPr lvl="1">
+              <a:buFont typeface="Arial" panose="020B0604020202020204" pitchFamily="34" charset="0"/>
+              <a:buChar char="•"/>
+            </a:pPr>
+            <a:r>
+              <a:rPr lang="uk-UA" dirty="0"/>
+              <a:t>Недоліки: переривчаста подача, значні тепловтрати.</a:t>
+            </a:r>
+          </a:p>
+          <a:p>
+            <a:pPr>
+              <a:buFont typeface="Arial" panose="020B0604020202020204" pitchFamily="34" charset="0"/>
+              <a:buChar char="•"/>
+            </a:pPr>
+            <a:r>
+              <a:rPr lang="uk-UA" b="1" dirty="0"/>
+              <a:t>Проточний нагрів із використанням теплообмінника</a:t>
+            </a:r>
+            <a:r>
+              <a:rPr lang="uk-UA" dirty="0"/>
+              <a:t>:</a:t>
+            </a:r>
+          </a:p>
+          <a:p>
+            <a:pPr lvl="1">
+              <a:buFont typeface="Arial" panose="020B0604020202020204" pitchFamily="34" charset="0"/>
+              <a:buChar char="•"/>
+            </a:pPr>
+            <a:r>
+              <a:rPr lang="uk-UA" dirty="0"/>
+              <a:t>Принцип: вода проходить через теплообмінник, де безперервно нагрівається.</a:t>
+            </a:r>
+          </a:p>
+          <a:p>
+            <a:pPr lvl="1">
+              <a:buFont typeface="Arial" panose="020B0604020202020204" pitchFamily="34" charset="0"/>
+              <a:buChar char="•"/>
+            </a:pPr>
+            <a:r>
+              <a:rPr lang="uk-UA" dirty="0"/>
+              <a:t>Переваги: висока продуктивність, мінімальні тепловтрати, стабільна температура.</a:t>
+            </a:r>
+          </a:p>
+          <a:p>
+            <a:pPr lvl="1">
+              <a:buFont typeface="Arial" panose="020B0604020202020204" pitchFamily="34" charset="0"/>
+              <a:buChar char="•"/>
+            </a:pPr>
+            <a:r>
+              <a:rPr lang="uk-UA" dirty="0"/>
+              <a:t>Недоліки: складність конструкції, вища вартість.</a:t>
+            </a:r>
+          </a:p>
+          <a:p>
+            <a:pPr>
+              <a:buFont typeface="Arial" panose="020B0604020202020204" pitchFamily="34" charset="0"/>
+              <a:buChar char="•"/>
+            </a:pPr>
+            <a:r>
+              <a:rPr lang="uk-UA" b="1" dirty="0"/>
+              <a:t>Комбінована система нагріву з резервуаром-акумулятором</a:t>
+            </a:r>
+            <a:r>
+              <a:rPr lang="uk-UA" dirty="0"/>
+              <a:t>:</a:t>
+            </a:r>
+          </a:p>
+          <a:p>
+            <a:pPr lvl="1">
+              <a:buFont typeface="Arial" panose="020B0604020202020204" pitchFamily="34" charset="0"/>
+              <a:buChar char="•"/>
+            </a:pPr>
+            <a:r>
+              <a:rPr lang="uk-UA" dirty="0"/>
+              <a:t>Принцип: поєднання резервуара для зберігання гарячої води з проточним нагріванням.</a:t>
+            </a:r>
+          </a:p>
+          <a:p>
+            <a:pPr lvl="1">
+              <a:buFont typeface="Arial" panose="020B0604020202020204" pitchFamily="34" charset="0"/>
+              <a:buChar char="•"/>
+            </a:pPr>
+            <a:r>
+              <a:rPr lang="uk-UA" dirty="0"/>
+              <a:t>Переваги: висока продуктивність, стабільність температури навіть при пікових навантаженнях.</a:t>
+            </a:r>
+          </a:p>
+          <a:p>
+            <a:pPr lvl="1">
+              <a:buFont typeface="Arial" panose="020B0604020202020204" pitchFamily="34" charset="0"/>
+              <a:buChar char="•"/>
+            </a:pPr>
+            <a:r>
+              <a:rPr lang="uk-UA" dirty="0"/>
+              <a:t>Недоліки: складність експлуатації, великі габарити.</a:t>
+            </a:r>
+          </a:p>
+          <a:p>
+            <a:pPr marL="0" indent="0">
+              <a:buNone/>
+            </a:pPr>
+            <a:endParaRPr lang="ru-RU" dirty="0"/>
+          </a:p>
+        </p:txBody>
+      </p:sp>
+    </p:spTree>
+    <p:extLst>
+      <p:ext uri="{BB962C8B-B14F-4D97-AF65-F5344CB8AC3E}">
+        <p14:creationId xmlns:p14="http://schemas.microsoft.com/office/powerpoint/2010/main" val="3661515166"/>
+      </p:ext>
+    </p:extLst>
+  </p:cSld>
+  <p:clrMapOvr>
+    <a:masterClrMapping/>
+  </p:clrMapOvr>
+</p:sld>
+</file>
+
+<file path=ppt/slides/slide6.xml><?xml version="1.0" encoding="utf-8"?>
 <p:sld xmlns:a="http://schemas.openxmlformats.org/drawingml/2006/main" xmlns:r="http://schemas.openxmlformats.org/officeDocument/2006/relationships" xmlns:p="http://schemas.openxmlformats.org/presentationml/2006/main">
   <p:cSld>
     <p:bg>
@@ -8575,6 +10135,150 @@
           </a:p>
         </p:txBody>
       </p:sp>
+      <p:pic>
+        <p:nvPicPr>
+          <p:cNvPr id="3074" name="Picture 2" descr="Кипятильник HENDI 211137"/>
+          <p:cNvPicPr>
+            <a:picLocks noChangeAspect="1" noChangeArrowheads="1"/>
+          </p:cNvPicPr>
+          <p:nvPr/>
+        </p:nvPicPr>
+        <p:blipFill>
+          <a:blip r:embed="rId2">
+            <a:extLst>
+              <a:ext uri="{28A0092B-C50C-407E-A947-70E740481C1C}">
+                <a14:useLocalDpi xmlns:a14="http://schemas.microsoft.com/office/drawing/2010/main" val="0"/>
+              </a:ext>
+            </a:extLst>
+          </a:blip>
+          <a:srcRect/>
+          <a:stretch>
+            <a:fillRect/>
+          </a:stretch>
+        </p:blipFill>
+        <p:spPr bwMode="auto">
+          <a:xfrm>
+            <a:off x="7696939" y="2220686"/>
+            <a:ext cx="1877473" cy="1877473"/>
+          </a:xfrm>
+          <a:prstGeom prst="rect">
+            <a:avLst/>
+          </a:prstGeom>
+          <a:solidFill>
+            <a:srgbClr val="FFFFFF">
+              <a:shade val="85000"/>
+            </a:srgbClr>
+          </a:solidFill>
+          <a:ln w="190500" cap="sq">
+            <a:solidFill>
+              <a:srgbClr val="FFFFFF"/>
+            </a:solidFill>
+            <a:miter lim="800000"/>
+          </a:ln>
+          <a:effectLst>
+            <a:outerShdw blurRad="65000" dist="50800" dir="12900000" kx="195000" ky="145000" algn="tl" rotWithShape="0">
+              <a:srgbClr val="000000">
+                <a:alpha val="30000"/>
+              </a:srgbClr>
+            </a:outerShdw>
+          </a:effectLst>
+          <a:scene3d>
+            <a:camera prst="orthographicFront">
+              <a:rot lat="0" lon="0" rev="360000"/>
+            </a:camera>
+            <a:lightRig rig="twoPt" dir="t">
+              <a:rot lat="0" lon="0" rev="7200000"/>
+            </a:lightRig>
+          </a:scene3d>
+          <a:sp3d contourW="12700">
+            <a:bevelT w="25400" h="19050"/>
+            <a:contourClr>
+              <a:srgbClr val="969696"/>
+            </a:contourClr>
+          </a:sp3d>
+          <a:extLst>
+            <a:ext uri="{909E8E84-426E-40DD-AFC4-6F175D3DCCD1}">
+              <a14:hiddenFill xmlns:a14="http://schemas.microsoft.com/office/drawing/2010/main">
+                <a:solidFill>
+                  <a:srgbClr val="FFFFFF"/>
+                </a:solidFill>
+              </a14:hiddenFill>
+            </a:ext>
+          </a:extLst>
+        </p:spPr>
+      </p:pic>
+      <p:pic>
+        <p:nvPicPr>
+          <p:cNvPr id="3076" name="Picture 4" descr="Электрокипятильник Frosty WBF-15"/>
+          <p:cNvPicPr>
+            <a:picLocks noChangeAspect="1" noChangeArrowheads="1"/>
+          </p:cNvPicPr>
+          <p:nvPr/>
+        </p:nvPicPr>
+        <p:blipFill>
+          <a:blip r:embed="rId3">
+            <a:extLst>
+              <a:ext uri="{28A0092B-C50C-407E-A947-70E740481C1C}">
+                <a14:useLocalDpi xmlns:a14="http://schemas.microsoft.com/office/drawing/2010/main" val="0"/>
+              </a:ext>
+            </a:extLst>
+          </a:blip>
+          <a:srcRect/>
+          <a:stretch>
+            <a:fillRect/>
+          </a:stretch>
+        </p:blipFill>
+        <p:spPr bwMode="auto">
+          <a:xfrm rot="1621710">
+            <a:off x="9379472" y="3187082"/>
+            <a:ext cx="1758092" cy="2616209"/>
+          </a:xfrm>
+          <a:prstGeom prst="rect">
+            <a:avLst/>
+          </a:prstGeom>
+          <a:solidFill>
+            <a:srgbClr val="FFFFFF">
+              <a:shade val="85000"/>
+            </a:srgbClr>
+          </a:solidFill>
+          <a:ln w="190500" cap="sq">
+            <a:solidFill>
+              <a:srgbClr val="FFFFFF"/>
+            </a:solidFill>
+            <a:miter lim="800000"/>
+          </a:ln>
+          <a:effectLst>
+            <a:outerShdw blurRad="65000" dist="50800" dir="12900000" kx="195000" ky="145000" algn="tl" rotWithShape="0">
+              <a:srgbClr val="000000">
+                <a:alpha val="30000"/>
+              </a:srgbClr>
+            </a:outerShdw>
+          </a:effectLst>
+          <a:scene3d>
+            <a:camera prst="orthographicFront">
+              <a:rot lat="0" lon="0" rev="360000"/>
+            </a:camera>
+            <a:lightRig rig="twoPt" dir="t">
+              <a:rot lat="0" lon="0" rev="7200000"/>
+            </a:lightRig>
+          </a:scene3d>
+          <a:sp3d contourW="12700">
+            <a:bevelT w="25400" h="19050"/>
+            <a:contourClr>
+              <a:srgbClr val="969696"/>
+            </a:contourClr>
+          </a:sp3d>
+          <a:extLst>
+            <a:ext uri="{909E8E84-426E-40DD-AFC4-6F175D3DCCD1}">
+              <a14:hiddenFill xmlns:a14="http://schemas.microsoft.com/office/drawing/2010/main">
+                <a:solidFill>
+                  <a:srgbClr val="FFFFFF"/>
+                </a:solidFill>
+              </a14:hiddenFill>
+            </a:ext>
+          </a:extLst>
+        </p:spPr>
+      </p:pic>
     </p:spTree>
     <p:extLst>
       <p:ext uri="{BB962C8B-B14F-4D97-AF65-F5344CB8AC3E}">
@@ -8588,7 +10292,7 @@
 </p:sld>
 </file>
 
-<file path=ppt/slides/slide6.xml><?xml version="1.0" encoding="utf-8"?>
+<file path=ppt/slides/slide7.xml><?xml version="1.0" encoding="utf-8"?>
 <p:sld xmlns:a="http://schemas.openxmlformats.org/drawingml/2006/main" xmlns:r="http://schemas.openxmlformats.org/officeDocument/2006/relationships" xmlns:p="http://schemas.openxmlformats.org/presentationml/2006/main">
   <p:cSld>
     <p:bg>
@@ -8652,7 +10356,7 @@
           <a:lstStyle/>
           <a:p>
             <a:r>
-              <a:rPr lang="uk-UA"/>
+              <a:rPr lang="uk-UA" dirty="0"/>
               <a:t>Матеріальні розрахунки</a:t>
             </a:r>
           </a:p>
@@ -9203,6 +10907,78 @@
           </a:p>
         </p:txBody>
       </p:sp>
+      <p:pic>
+        <p:nvPicPr>
+          <p:cNvPr id="4098" name="Picture 2" descr="расчеты - матеріальні розрахунки стоковые фото и изображения"/>
+          <p:cNvPicPr>
+            <a:picLocks noChangeAspect="1" noChangeArrowheads="1"/>
+          </p:cNvPicPr>
+          <p:nvPr/>
+        </p:nvPicPr>
+        <p:blipFill>
+          <a:blip r:embed="rId2">
+            <a:extLst>
+              <a:ext uri="{28A0092B-C50C-407E-A947-70E740481C1C}">
+                <a14:useLocalDpi xmlns:a14="http://schemas.microsoft.com/office/drawing/2010/main" val="0"/>
+              </a:ext>
+            </a:extLst>
+          </a:blip>
+          <a:srcRect/>
+          <a:stretch>
+            <a:fillRect/>
+          </a:stretch>
+        </p:blipFill>
+        <p:spPr bwMode="auto">
+          <a:xfrm rot="378005">
+            <a:off x="6195841" y="2530310"/>
+            <a:ext cx="4497785" cy="3373339"/>
+          </a:xfrm>
+          <a:prstGeom prst="rect">
+            <a:avLst/>
+          </a:prstGeom>
+          <a:solidFill>
+            <a:srgbClr val="FFFFFF">
+              <a:shade val="85000"/>
+            </a:srgbClr>
+          </a:solidFill>
+          <a:ln w="190500" cap="sq">
+            <a:solidFill>
+              <a:srgbClr val="FFFFFF"/>
+            </a:solidFill>
+            <a:miter lim="800000"/>
+          </a:ln>
+          <a:effectLst>
+            <a:outerShdw blurRad="65000" dist="50800" dir="12900000" kx="195000" ky="145000" algn="tl" rotWithShape="0">
+              <a:srgbClr val="000000">
+                <a:alpha val="30000"/>
+              </a:srgbClr>
+            </a:outerShdw>
+          </a:effectLst>
+          <a:scene3d>
+            <a:camera prst="orthographicFront">
+              <a:rot lat="0" lon="0" rev="360000"/>
+            </a:camera>
+            <a:lightRig rig="twoPt" dir="t">
+              <a:rot lat="0" lon="0" rev="7200000"/>
+            </a:lightRig>
+          </a:scene3d>
+          <a:sp3d contourW="12700">
+            <a:bevelT w="25400" h="19050"/>
+            <a:contourClr>
+              <a:srgbClr val="969696"/>
+            </a:contourClr>
+          </a:sp3d>
+          <a:extLst>
+            <a:ext uri="{909E8E84-426E-40DD-AFC4-6F175D3DCCD1}">
+              <a14:hiddenFill xmlns:a14="http://schemas.microsoft.com/office/drawing/2010/main">
+                <a:solidFill>
+                  <a:srgbClr val="FFFFFF"/>
+                </a:solidFill>
+              </a14:hiddenFill>
+            </a:ext>
+          </a:extLst>
+        </p:spPr>
+      </p:pic>
     </p:spTree>
     <p:extLst>
       <p:ext uri="{BB962C8B-B14F-4D97-AF65-F5344CB8AC3E}">
@@ -9216,7 +10992,7 @@
 </p:sld>
 </file>
 
-<file path=ppt/slides/slide7.xml><?xml version="1.0" encoding="utf-8"?>
+<file path=ppt/slides/slide8.xml><?xml version="1.0" encoding="utf-8"?>
 <p:sld xmlns:a="http://schemas.openxmlformats.org/drawingml/2006/main" xmlns:r="http://schemas.openxmlformats.org/officeDocument/2006/relationships" xmlns:p="http://schemas.openxmlformats.org/presentationml/2006/main">
   <p:cSld>
     <p:bg>
@@ -9280,7 +11056,7 @@
           <a:lstStyle/>
           <a:p>
             <a:r>
-              <a:rPr lang="uk-UA"/>
+              <a:rPr lang="uk-UA" dirty="0"/>
               <a:t>Теплові розрахунки</a:t>
             </a:r>
           </a:p>
@@ -9774,7 +11550,7 @@
 </p:sld>
 </file>
 
-<file path=ppt/slides/slide8.xml><?xml version="1.0" encoding="utf-8"?>
+<file path=ppt/slides/slide9.xml><?xml version="1.0" encoding="utf-8"?>
 <p:sld xmlns:a="http://schemas.openxmlformats.org/drawingml/2006/main" xmlns:r="http://schemas.openxmlformats.org/officeDocument/2006/relationships" xmlns:p="http://schemas.openxmlformats.org/presentationml/2006/main">
   <p:cSld>
     <p:bg>
@@ -9838,7 +11614,7 @@
           <a:lstStyle/>
           <a:p>
             <a:r>
-              <a:rPr lang="uk-UA"/>
+              <a:rPr lang="uk-UA" dirty="0"/>
               <a:t>Конструктивні рішення</a:t>
             </a:r>
           </a:p>
@@ -10277,558 +12053,62 @@
           </a:p>
         </p:txBody>
       </p:sp>
+      <p:pic>
+        <p:nvPicPr>
+          <p:cNvPr id="5" name="Рисунок 4"/>
+          <p:cNvPicPr/>
+          <p:nvPr/>
+        </p:nvPicPr>
+        <p:blipFill>
+          <a:blip r:embed="rId2"/>
+          <a:stretch>
+            <a:fillRect/>
+          </a:stretch>
+        </p:blipFill>
+        <p:spPr>
+          <a:xfrm>
+            <a:off x="6881103" y="2504627"/>
+            <a:ext cx="4606602" cy="2973080"/>
+          </a:xfrm>
+          <a:prstGeom prst="rect">
+            <a:avLst/>
+          </a:prstGeom>
+          <a:solidFill>
+            <a:srgbClr val="FFFFFF">
+              <a:shade val="85000"/>
+            </a:srgbClr>
+          </a:solidFill>
+          <a:ln w="190500" cap="sq">
+            <a:solidFill>
+              <a:srgbClr val="FFFFFF"/>
+            </a:solidFill>
+            <a:miter lim="800000"/>
+          </a:ln>
+          <a:effectLst>
+            <a:outerShdw blurRad="55000" dist="18000" dir="5400000" algn="tl" rotWithShape="0">
+              <a:srgbClr val="000000">
+                <a:alpha val="40000"/>
+              </a:srgbClr>
+            </a:outerShdw>
+          </a:effectLst>
+          <a:scene3d>
+            <a:camera prst="orthographicFront"/>
+            <a:lightRig rig="twoPt" dir="t">
+              <a:rot lat="0" lon="0" rev="7200000"/>
+            </a:lightRig>
+          </a:scene3d>
+          <a:sp3d>
+            <a:bevelT w="25400" h="19050"/>
+            <a:contourClr>
+              <a:srgbClr val="FFFFFF"/>
+            </a:contourClr>
+          </a:sp3d>
+        </p:spPr>
+      </p:pic>
     </p:spTree>
     <p:extLst>
       <p:ext uri="{BB962C8B-B14F-4D97-AF65-F5344CB8AC3E}">
         <p14:creationId xmlns:p14="http://schemas.microsoft.com/office/powerpoint/2010/main" val="73348201"/>
-      </p:ext>
-    </p:extLst>
-  </p:cSld>
-  <p:clrMapOvr>
-    <a:masterClrMapping/>
-  </p:clrMapOvr>
-</p:sld>
-</file>
-
-<file path=ppt/slides/slide9.xml><?xml version="1.0" encoding="utf-8"?>
-<p:sld xmlns:a="http://schemas.openxmlformats.org/drawingml/2006/main" xmlns:r="http://schemas.openxmlformats.org/officeDocument/2006/relationships" xmlns:p="http://schemas.openxmlformats.org/presentationml/2006/main">
-  <p:cSld>
-    <p:bg>
-      <p:bgPr>
-        <a:gradFill>
-          <a:gsLst>
-            <a:gs pos="20000">
-              <a:srgbClr val="F9D0C2"/>
-            </a:gs>
-            <a:gs pos="59000">
-              <a:schemeClr val="accent1">
-                <a:lumMod val="45000"/>
-                <a:lumOff val="55000"/>
-              </a:schemeClr>
-            </a:gs>
-            <a:gs pos="100000">
-              <a:schemeClr val="accent1">
-                <a:lumMod val="30000"/>
-                <a:lumOff val="70000"/>
-              </a:schemeClr>
-            </a:gs>
-          </a:gsLst>
-          <a:lin ang="5400000" scaled="1"/>
-        </a:gradFill>
-        <a:effectLst/>
-      </p:bgPr>
-    </p:bg>
-    <p:spTree>
-      <p:nvGrpSpPr>
-        <p:cNvPr id="1" name=""/>
-        <p:cNvGrpSpPr/>
-        <p:nvPr/>
-      </p:nvGrpSpPr>
-      <p:grpSpPr>
-        <a:xfrm>
-          <a:off x="0" y="0"/>
-          <a:ext cx="0" cy="0"/>
-          <a:chOff x="0" y="0"/>
-          <a:chExt cx="0" cy="0"/>
-        </a:xfrm>
-      </p:grpSpPr>
-      <p:sp>
-        <p:nvSpPr>
-          <p:cNvPr id="2" name="Заголовок 1">
-            <a:extLst>
-              <a:ext uri="{FF2B5EF4-FFF2-40B4-BE49-F238E27FC236}">
-                <a16:creationId xmlns:a16="http://schemas.microsoft.com/office/drawing/2014/main" id="{51F8C442-E5B6-A28D-0909-786C0F1A0117}"/>
-              </a:ext>
-            </a:extLst>
-          </p:cNvPr>
-          <p:cNvSpPr>
-            <a:spLocks noGrp="1"/>
-          </p:cNvSpPr>
-          <p:nvPr>
-            <p:ph type="title"/>
-          </p:nvPr>
-        </p:nvSpPr>
-        <p:spPr/>
-        <p:txBody>
-          <a:bodyPr/>
-          <a:lstStyle/>
-          <a:p>
-            <a:r>
-              <a:rPr lang="uk-UA"/>
-              <a:t>Підбір допоміжного устаткування</a:t>
-            </a:r>
-          </a:p>
-        </p:txBody>
-      </p:sp>
-      <p:cxnSp>
-        <p:nvCxnSpPr>
-          <p:cNvPr id="4" name="Пряма сполучна лінія 3">
-            <a:extLst>
-              <a:ext uri="{FF2B5EF4-FFF2-40B4-BE49-F238E27FC236}">
-                <a16:creationId xmlns:a16="http://schemas.microsoft.com/office/drawing/2014/main" id="{51905590-D1A4-49CE-F248-30423AFD68E9}"/>
-              </a:ext>
-            </a:extLst>
-          </p:cNvPr>
-          <p:cNvCxnSpPr>
-            <a:cxnSpLocks/>
-          </p:cNvCxnSpPr>
-          <p:nvPr/>
-        </p:nvCxnSpPr>
-        <p:spPr>
-          <a:xfrm>
-            <a:off x="1165013" y="2045547"/>
-            <a:ext cx="7213600" cy="0"/>
-          </a:xfrm>
-          <a:prstGeom prst="line">
-            <a:avLst/>
-          </a:prstGeom>
-          <a:ln w="28575">
-            <a:solidFill>
-              <a:schemeClr val="tx1">
-                <a:lumMod val="95000"/>
-                <a:lumOff val="5000"/>
-              </a:schemeClr>
-            </a:solidFill>
-          </a:ln>
-        </p:spPr>
-        <p:style>
-          <a:lnRef idx="1">
-            <a:schemeClr val="accent1"/>
-          </a:lnRef>
-          <a:fillRef idx="0">
-            <a:schemeClr val="accent1"/>
-          </a:fillRef>
-          <a:effectRef idx="0">
-            <a:schemeClr val="accent1"/>
-          </a:effectRef>
-          <a:fontRef idx="minor">
-            <a:schemeClr val="tx1"/>
-          </a:fontRef>
-        </p:style>
-      </p:cxnSp>
-      <p:sp>
-        <p:nvSpPr>
-          <p:cNvPr id="8" name="Місце для тексту 2">
-            <a:extLst>
-              <a:ext uri="{FF2B5EF4-FFF2-40B4-BE49-F238E27FC236}">
-                <a16:creationId xmlns:a16="http://schemas.microsoft.com/office/drawing/2014/main" id="{52201FEA-2650-46CD-9AB5-A111F30AA7E2}"/>
-              </a:ext>
-            </a:extLst>
-          </p:cNvPr>
-          <p:cNvSpPr txBox="1">
-            <a:spLocks/>
-          </p:cNvSpPr>
-          <p:nvPr/>
-        </p:nvSpPr>
-        <p:spPr>
-          <a:xfrm>
-            <a:off x="1222248" y="2273808"/>
-            <a:ext cx="10058400" cy="4050792"/>
-          </a:xfrm>
-          <a:prstGeom prst="rect">
-            <a:avLst/>
-          </a:prstGeom>
-        </p:spPr>
-        <p:txBody>
-          <a:bodyPr vert="horz" lIns="91440" tIns="45720" rIns="91440" bIns="45720" rtlCol="0">
-            <a:normAutofit/>
-          </a:bodyPr>
-          <a:lstStyle>
-            <a:lvl1pPr marL="182880" indent="-182880" algn="l" defTabSz="914400" rtl="0" eaLnBrk="1" latinLnBrk="0" hangingPunct="1">
-              <a:lnSpc>
-                <a:spcPct val="90000"/>
-              </a:lnSpc>
-              <a:spcBef>
-                <a:spcPts val="1200"/>
-              </a:spcBef>
-              <a:buClr>
-                <a:schemeClr val="accent1">
-                  <a:lumMod val="75000"/>
-                </a:schemeClr>
-              </a:buClr>
-              <a:buSzPct val="85000"/>
-              <a:buFont typeface="Wingdings" pitchFamily="2" charset="2"/>
-              <a:buChar char="§"/>
-              <a:defRPr sz="2000" kern="1200">
-                <a:solidFill>
-                  <a:schemeClr val="tx1"/>
-                </a:solidFill>
-                <a:latin typeface="+mn-lt"/>
-                <a:ea typeface="+mn-ea"/>
-                <a:cs typeface="+mn-cs"/>
-              </a:defRPr>
-            </a:lvl1pPr>
-            <a:lvl2pPr marL="457200" indent="-182880" algn="l" defTabSz="914400" rtl="0" eaLnBrk="1" latinLnBrk="0" hangingPunct="1">
-              <a:lnSpc>
-                <a:spcPct val="90000"/>
-              </a:lnSpc>
-              <a:spcBef>
-                <a:spcPts val="400"/>
-              </a:spcBef>
-              <a:spcAft>
-                <a:spcPts val="200"/>
-              </a:spcAft>
-              <a:buClr>
-                <a:schemeClr val="accent1">
-                  <a:lumMod val="75000"/>
-                </a:schemeClr>
-              </a:buClr>
-              <a:buSzPct val="85000"/>
-              <a:buFont typeface="Wingdings" pitchFamily="2" charset="2"/>
-              <a:buChar char="§"/>
-              <a:defRPr sz="1800" kern="1200">
-                <a:solidFill>
-                  <a:schemeClr val="tx1"/>
-                </a:solidFill>
-                <a:latin typeface="+mn-lt"/>
-                <a:ea typeface="+mn-ea"/>
-                <a:cs typeface="+mn-cs"/>
-              </a:defRPr>
-            </a:lvl2pPr>
-            <a:lvl3pPr marL="731520" indent="-182880" algn="l" defTabSz="914400" rtl="0" eaLnBrk="1" latinLnBrk="0" hangingPunct="1">
-              <a:lnSpc>
-                <a:spcPct val="90000"/>
-              </a:lnSpc>
-              <a:spcBef>
-                <a:spcPts val="400"/>
-              </a:spcBef>
-              <a:spcAft>
-                <a:spcPts val="200"/>
-              </a:spcAft>
-              <a:buClr>
-                <a:schemeClr val="accent1">
-                  <a:lumMod val="75000"/>
-                </a:schemeClr>
-              </a:buClr>
-              <a:buSzPct val="85000"/>
-              <a:buFont typeface="Wingdings" pitchFamily="2" charset="2"/>
-              <a:buChar char="§"/>
-              <a:defRPr sz="1600" kern="1200">
-                <a:solidFill>
-                  <a:schemeClr val="tx1"/>
-                </a:solidFill>
-                <a:latin typeface="+mn-lt"/>
-                <a:ea typeface="+mn-ea"/>
-                <a:cs typeface="+mn-cs"/>
-              </a:defRPr>
-            </a:lvl3pPr>
-            <a:lvl4pPr marL="1005840" indent="-182880" algn="l" defTabSz="914400" rtl="0" eaLnBrk="1" latinLnBrk="0" hangingPunct="1">
-              <a:lnSpc>
-                <a:spcPct val="90000"/>
-              </a:lnSpc>
-              <a:spcBef>
-                <a:spcPts val="400"/>
-              </a:spcBef>
-              <a:spcAft>
-                <a:spcPts val="200"/>
-              </a:spcAft>
-              <a:buClr>
-                <a:schemeClr val="accent1">
-                  <a:lumMod val="75000"/>
-                </a:schemeClr>
-              </a:buClr>
-              <a:buSzPct val="85000"/>
-              <a:buFont typeface="Wingdings" pitchFamily="2" charset="2"/>
-              <a:buChar char="§"/>
-              <a:defRPr sz="1600" kern="1200">
-                <a:solidFill>
-                  <a:schemeClr val="tx1"/>
-                </a:solidFill>
-                <a:latin typeface="+mn-lt"/>
-                <a:ea typeface="+mn-ea"/>
-                <a:cs typeface="+mn-cs"/>
-              </a:defRPr>
-            </a:lvl4pPr>
-            <a:lvl5pPr marL="1280160" indent="-182880" algn="l" defTabSz="914400" rtl="0" eaLnBrk="1" latinLnBrk="0" hangingPunct="1">
-              <a:lnSpc>
-                <a:spcPct val="90000"/>
-              </a:lnSpc>
-              <a:spcBef>
-                <a:spcPts val="400"/>
-              </a:spcBef>
-              <a:spcAft>
-                <a:spcPts val="200"/>
-              </a:spcAft>
-              <a:buClr>
-                <a:schemeClr val="accent1">
-                  <a:lumMod val="75000"/>
-                </a:schemeClr>
-              </a:buClr>
-              <a:buSzPct val="85000"/>
-              <a:buFont typeface="Wingdings" pitchFamily="2" charset="2"/>
-              <a:buChar char="§"/>
-              <a:defRPr sz="1600" kern="1200">
-                <a:solidFill>
-                  <a:schemeClr val="tx1"/>
-                </a:solidFill>
-                <a:latin typeface="+mn-lt"/>
-                <a:ea typeface="+mn-ea"/>
-                <a:cs typeface="+mn-cs"/>
-              </a:defRPr>
-            </a:lvl5pPr>
-            <a:lvl6pPr marL="1600000" indent="-228600" algn="l" defTabSz="914400" rtl="0" eaLnBrk="1" latinLnBrk="0" hangingPunct="1">
-              <a:lnSpc>
-                <a:spcPct val="90000"/>
-              </a:lnSpc>
-              <a:spcBef>
-                <a:spcPts val="400"/>
-              </a:spcBef>
-              <a:spcAft>
-                <a:spcPts val="200"/>
-              </a:spcAft>
-              <a:buClr>
-                <a:schemeClr val="accent1">
-                  <a:lumMod val="75000"/>
-                </a:schemeClr>
-              </a:buClr>
-              <a:buSzPct val="85000"/>
-              <a:buFont typeface="Wingdings" pitchFamily="2" charset="2"/>
-              <a:buChar char="§"/>
-              <a:defRPr sz="1600" kern="1200">
-                <a:solidFill>
-                  <a:schemeClr val="tx1"/>
-                </a:solidFill>
-                <a:latin typeface="+mn-lt"/>
-                <a:ea typeface="+mn-ea"/>
-                <a:cs typeface="+mn-cs"/>
-              </a:defRPr>
-            </a:lvl6pPr>
-            <a:lvl7pPr marL="1900000" indent="-228600" algn="l" defTabSz="914400" rtl="0" eaLnBrk="1" latinLnBrk="0" hangingPunct="1">
-              <a:lnSpc>
-                <a:spcPct val="90000"/>
-              </a:lnSpc>
-              <a:spcBef>
-                <a:spcPts val="400"/>
-              </a:spcBef>
-              <a:spcAft>
-                <a:spcPts val="200"/>
-              </a:spcAft>
-              <a:buClr>
-                <a:schemeClr val="accent1">
-                  <a:lumMod val="75000"/>
-                </a:schemeClr>
-              </a:buClr>
-              <a:buSzPct val="85000"/>
-              <a:buFont typeface="Wingdings" pitchFamily="2" charset="2"/>
-              <a:buChar char="§"/>
-              <a:defRPr sz="1600" kern="1200">
-                <a:solidFill>
-                  <a:schemeClr val="tx1"/>
-                </a:solidFill>
-                <a:latin typeface="+mn-lt"/>
-                <a:ea typeface="+mn-ea"/>
-                <a:cs typeface="+mn-cs"/>
-              </a:defRPr>
-            </a:lvl7pPr>
-            <a:lvl8pPr marL="2200000" indent="-228600" algn="l" defTabSz="914400" rtl="0" eaLnBrk="1" latinLnBrk="0" hangingPunct="1">
-              <a:lnSpc>
-                <a:spcPct val="90000"/>
-              </a:lnSpc>
-              <a:spcBef>
-                <a:spcPts val="400"/>
-              </a:spcBef>
-              <a:spcAft>
-                <a:spcPts val="200"/>
-              </a:spcAft>
-              <a:buClr>
-                <a:schemeClr val="accent1">
-                  <a:lumMod val="75000"/>
-                </a:schemeClr>
-              </a:buClr>
-              <a:buSzPct val="85000"/>
-              <a:buFont typeface="Wingdings" pitchFamily="2" charset="2"/>
-              <a:buChar char="§"/>
-              <a:defRPr sz="1600" kern="1200">
-                <a:solidFill>
-                  <a:schemeClr val="tx1"/>
-                </a:solidFill>
-                <a:latin typeface="+mn-lt"/>
-                <a:ea typeface="+mn-ea"/>
-                <a:cs typeface="+mn-cs"/>
-              </a:defRPr>
-            </a:lvl8pPr>
-            <a:lvl9pPr marL="2500000" indent="-228600" algn="l" defTabSz="914400" rtl="0" eaLnBrk="1" latinLnBrk="0" hangingPunct="1">
-              <a:lnSpc>
-                <a:spcPct val="90000"/>
-              </a:lnSpc>
-              <a:spcBef>
-                <a:spcPts val="400"/>
-              </a:spcBef>
-              <a:spcAft>
-                <a:spcPts val="200"/>
-              </a:spcAft>
-              <a:buClr>
-                <a:schemeClr val="accent1">
-                  <a:lumMod val="75000"/>
-                </a:schemeClr>
-              </a:buClr>
-              <a:buSzPct val="85000"/>
-              <a:buFont typeface="Wingdings" pitchFamily="2" charset="2"/>
-              <a:buChar char="§"/>
-              <a:defRPr sz="1600" kern="1200">
-                <a:solidFill>
-                  <a:schemeClr val="tx1"/>
-                </a:solidFill>
-                <a:latin typeface="+mn-lt"/>
-                <a:ea typeface="+mn-ea"/>
-                <a:cs typeface="+mn-cs"/>
-              </a:defRPr>
-            </a:lvl9pPr>
-          </a:lstStyle>
-          <a:p>
-            <a:pPr>
-              <a:buFont typeface="Arial" panose="020B0604020202020204" pitchFamily="34" charset="0"/>
-              <a:buChar char="•"/>
-            </a:pPr>
-            <a:r>
-              <a:rPr lang="uk-UA" b="1" dirty="0"/>
-              <a:t>Насос</a:t>
-            </a:r>
-            <a:r>
-              <a:rPr lang="uk-UA" dirty="0"/>
-              <a:t>:</a:t>
-            </a:r>
-          </a:p>
-          <a:p>
-            <a:pPr marL="742950" lvl="1" indent="-285750">
-              <a:buFont typeface="Arial" panose="020B0604020202020204" pitchFamily="34" charset="0"/>
-              <a:buChar char="•"/>
-            </a:pPr>
-            <a:r>
-              <a:rPr lang="uk-UA" dirty="0"/>
-              <a:t>Продуктивність: 15–20 л/хв.</a:t>
-            </a:r>
-          </a:p>
-          <a:p>
-            <a:pPr marL="742950" lvl="1" indent="-285750">
-              <a:buFont typeface="Arial" panose="020B0604020202020204" pitchFamily="34" charset="0"/>
-              <a:buChar char="•"/>
-            </a:pPr>
-            <a:r>
-              <a:rPr lang="uk-UA" dirty="0"/>
-              <a:t>Напір: 5 м.</a:t>
-            </a:r>
-          </a:p>
-          <a:p>
-            <a:pPr marL="742950" lvl="1" indent="-285750">
-              <a:buFont typeface="Arial" panose="020B0604020202020204" pitchFamily="34" charset="0"/>
-              <a:buChar char="•"/>
-            </a:pPr>
-            <a:r>
-              <a:rPr lang="uk-UA" dirty="0"/>
-              <a:t>Тип: відцентровий (</a:t>
-            </a:r>
-            <a:r>
-              <a:rPr lang="en-US" dirty="0" err="1"/>
-              <a:t>Pedrollo</a:t>
-            </a:r>
-            <a:r>
-              <a:rPr lang="en-US" dirty="0"/>
-              <a:t> </a:t>
-            </a:r>
-            <a:r>
-              <a:rPr lang="en-US" dirty="0" err="1"/>
-              <a:t>PKm</a:t>
-            </a:r>
-            <a:r>
-              <a:rPr lang="en-US" dirty="0"/>
-              <a:t> 60).</a:t>
-            </a:r>
-          </a:p>
-          <a:p>
-            <a:pPr>
-              <a:buFont typeface="Arial" panose="020B0604020202020204" pitchFamily="34" charset="0"/>
-              <a:buChar char="•"/>
-            </a:pPr>
-            <a:r>
-              <a:rPr lang="uk-UA" b="1" dirty="0"/>
-              <a:t>Трубопроводи</a:t>
-            </a:r>
-            <a:r>
-              <a:rPr lang="uk-UA" dirty="0"/>
-              <a:t>:</a:t>
-            </a:r>
-          </a:p>
-          <a:p>
-            <a:pPr marL="742950" lvl="1" indent="-285750">
-              <a:buFont typeface="Arial" panose="020B0604020202020204" pitchFamily="34" charset="0"/>
-              <a:buChar char="•"/>
-            </a:pPr>
-            <a:r>
-              <a:rPr lang="uk-UA" dirty="0"/>
-              <a:t>Матеріал: нержавіюча сталь або харчовий поліпропілен.</a:t>
-            </a:r>
-          </a:p>
-          <a:p>
-            <a:pPr marL="742950" lvl="1" indent="-285750">
-              <a:buFont typeface="Arial" panose="020B0604020202020204" pitchFamily="34" charset="0"/>
-              <a:buChar char="•"/>
-            </a:pPr>
-            <a:r>
-              <a:rPr lang="uk-UA" dirty="0"/>
-              <a:t>Діаметр: 20–25 мм.</a:t>
-            </a:r>
-          </a:p>
-          <a:p>
-            <a:pPr>
-              <a:buFont typeface="Arial" panose="020B0604020202020204" pitchFamily="34" charset="0"/>
-              <a:buChar char="•"/>
-            </a:pPr>
-            <a:r>
-              <a:rPr lang="uk-UA" b="1" dirty="0"/>
-              <a:t>Система контролю</a:t>
-            </a:r>
-            <a:r>
-              <a:rPr lang="uk-UA" dirty="0"/>
-              <a:t>:</a:t>
-            </a:r>
-          </a:p>
-          <a:p>
-            <a:pPr marL="742950" lvl="1" indent="-285750">
-              <a:buFont typeface="Arial" panose="020B0604020202020204" pitchFamily="34" charset="0"/>
-              <a:buChar char="•"/>
-            </a:pPr>
-            <a:r>
-              <a:rPr lang="uk-UA" dirty="0"/>
-              <a:t>Контролери температури: </a:t>
-            </a:r>
-            <a:r>
-              <a:rPr lang="en-US" dirty="0"/>
-              <a:t>Omron E5CC.</a:t>
-            </a:r>
-          </a:p>
-          <a:p>
-            <a:pPr marL="742950" lvl="1" indent="-285750">
-              <a:buFont typeface="Arial" panose="020B0604020202020204" pitchFamily="34" charset="0"/>
-              <a:buChar char="•"/>
-            </a:pPr>
-            <a:r>
-              <a:rPr lang="uk-UA" dirty="0"/>
-              <a:t>Запобіжний клапан: 6–8 бар.</a:t>
-            </a:r>
-          </a:p>
-          <a:p>
-            <a:pPr marL="742950" lvl="1" indent="-285750">
-              <a:buFont typeface="Arial" panose="020B0604020202020204" pitchFamily="34" charset="0"/>
-              <a:buChar char="•"/>
-            </a:pPr>
-            <a:r>
-              <a:rPr lang="uk-UA" dirty="0"/>
-              <a:t>Фільтри: сітчасті з нержавіючої сталі.</a:t>
-            </a:r>
-          </a:p>
-          <a:p>
-            <a:pPr marL="0" indent="0">
-              <a:buNone/>
-            </a:pPr>
-            <a:endParaRPr lang="ru-RU" dirty="0"/>
-          </a:p>
-        </p:txBody>
-      </p:sp>
-    </p:spTree>
-    <p:extLst>
-      <p:ext uri="{BB962C8B-B14F-4D97-AF65-F5344CB8AC3E}">
-        <p14:creationId xmlns:p14="http://schemas.microsoft.com/office/powerpoint/2010/main" val="3629757878"/>
       </p:ext>
     </p:extLst>
   </p:cSld>
